--- a/EERN-2025-Fraca.pptx
+++ b/EERN-2025-Fraca.pptx
@@ -24161,6 +24161,53 @@
           </a:p>
         </p:txBody>
       </p:sp>
+      <p:pic>
+        <p:nvPicPr>
+          <p:cNvPr id="1026" name="Picture 2" descr="Imperial Brand Project | Administration and support services ...">
+            <a:extLst>
+              <a:ext uri="{FF2B5EF4-FFF2-40B4-BE49-F238E27FC236}">
+                <a16:creationId xmlns:a16="http://schemas.microsoft.com/office/drawing/2014/main" id="{08B002A0-BAB1-CB98-B8B0-D585AB8E45CF}"/>
+              </a:ext>
+            </a:extLst>
+          </p:cNvPr>
+          <p:cNvPicPr>
+            <a:picLocks noChangeAspect="1" noChangeArrowheads="1"/>
+          </p:cNvPicPr>
+          <p:nvPr/>
+        </p:nvPicPr>
+        <p:blipFill>
+          <a:blip r:embed="rId4">
+            <a:extLst>
+              <a:ext uri="{28A0092B-C50C-407E-A947-70E740481C1C}">
+                <a14:useLocalDpi xmlns:a14="http://schemas.microsoft.com/office/drawing/2010/main" val="0"/>
+              </a:ext>
+            </a:extLst>
+          </a:blip>
+          <a:srcRect/>
+          <a:stretch>
+            <a:fillRect/>
+          </a:stretch>
+        </p:blipFill>
+        <p:spPr bwMode="auto">
+          <a:xfrm>
+            <a:off x="2711483" y="-237507"/>
+            <a:ext cx="2732930" cy="1229819"/>
+          </a:xfrm>
+          <a:prstGeom prst="rect">
+            <a:avLst/>
+          </a:prstGeom>
+          <a:noFill/>
+          <a:extLst>
+            <a:ext uri="{909E8E84-426E-40DD-AFC4-6F175D3DCCD1}">
+              <a14:hiddenFill xmlns:a14="http://schemas.microsoft.com/office/drawing/2010/main">
+                <a:solidFill>
+                  <a:srgbClr val="FFFFFF"/>
+                </a:solidFill>
+              </a14:hiddenFill>
+            </a:ext>
+          </a:extLst>
+        </p:spPr>
+      </p:pic>
     </p:spTree>
     <p:extLst>
       <p:ext uri="{BB962C8B-B14F-4D97-AF65-F5344CB8AC3E}">

--- a/EERN-2025-Fraca.pptx
+++ b/EERN-2025-Fraca.pptx
@@ -5,7 +5,7 @@
     <p:sldMasterId id="2147483726" r:id="rId1"/>
   </p:sldMasterIdLst>
   <p:notesMasterIdLst>
-    <p:notesMasterId r:id="rId20"/>
+    <p:notesMasterId r:id="rId21"/>
   </p:notesMasterIdLst>
   <p:sldIdLst>
     <p:sldId id="260" r:id="rId2"/>
@@ -15,17 +15,18 @@
     <p:sldId id="262" r:id="rId6"/>
     <p:sldId id="263" r:id="rId7"/>
     <p:sldId id="278" r:id="rId8"/>
-    <p:sldId id="281" r:id="rId9"/>
-    <p:sldId id="279" r:id="rId10"/>
-    <p:sldId id="266" r:id="rId11"/>
-    <p:sldId id="267" r:id="rId12"/>
-    <p:sldId id="268" r:id="rId13"/>
-    <p:sldId id="274" r:id="rId14"/>
-    <p:sldId id="269" r:id="rId15"/>
-    <p:sldId id="277" r:id="rId16"/>
-    <p:sldId id="280" r:id="rId17"/>
-    <p:sldId id="282" r:id="rId18"/>
-    <p:sldId id="283" r:id="rId19"/>
+    <p:sldId id="284" r:id="rId9"/>
+    <p:sldId id="281" r:id="rId10"/>
+    <p:sldId id="279" r:id="rId11"/>
+    <p:sldId id="266" r:id="rId12"/>
+    <p:sldId id="267" r:id="rId13"/>
+    <p:sldId id="268" r:id="rId14"/>
+    <p:sldId id="274" r:id="rId15"/>
+    <p:sldId id="269" r:id="rId16"/>
+    <p:sldId id="277" r:id="rId17"/>
+    <p:sldId id="280" r:id="rId18"/>
+    <p:sldId id="282" r:id="rId19"/>
+    <p:sldId id="283" r:id="rId20"/>
   </p:sldIdLst>
   <p:sldSz cx="12192000" cy="6858000"/>
   <p:notesSz cx="6858000" cy="9144000"/>
@@ -4825,123 +4826,6 @@
         </a:p>
       </dgm:t>
     </dgm:pt>
-    <dgm:pt modelId="{D88C196D-B30B-4CC2-80C6-32F0F5BC3262}">
-      <dgm:prSet/>
-      <dgm:spPr/>
-      <dgm:t>
-        <a:bodyPr/>
-        <a:lstStyle/>
-        <a:p>
-          <a:r>
-            <a:rPr lang="en-GB" b="1" dirty="0">
-              <a:solidFill>
-                <a:schemeClr val="accent1"/>
-              </a:solidFill>
-            </a:rPr>
-            <a:t>Prepared for industry</a:t>
-          </a:r>
-          <a:endParaRPr lang="en-US" dirty="0">
-            <a:solidFill>
-              <a:schemeClr val="accent1"/>
-            </a:solidFill>
-          </a:endParaRPr>
-        </a:p>
-      </dgm:t>
-    </dgm:pt>
-    <dgm:pt modelId="{898AA06D-6440-4623-88CD-0D8DDA76C2AC}" type="parTrans" cxnId="{97FA6EAE-6616-455C-AA8A-C7C77060E128}">
-      <dgm:prSet/>
-      <dgm:spPr/>
-      <dgm:t>
-        <a:bodyPr/>
-        <a:lstStyle/>
-        <a:p>
-          <a:endParaRPr lang="en-US"/>
-        </a:p>
-      </dgm:t>
-    </dgm:pt>
-    <dgm:pt modelId="{04966457-C3C6-4794-ABE0-8B553BF05F98}" type="sibTrans" cxnId="{97FA6EAE-6616-455C-AA8A-C7C77060E128}">
-      <dgm:prSet/>
-      <dgm:spPr/>
-      <dgm:t>
-        <a:bodyPr/>
-        <a:lstStyle/>
-        <a:p>
-          <a:endParaRPr lang="en-US"/>
-        </a:p>
-      </dgm:t>
-    </dgm:pt>
-    <dgm:pt modelId="{F2250D65-294F-4F74-A606-3745241A168B}">
-      <dgm:prSet/>
-      <dgm:spPr/>
-      <dgm:t>
-        <a:bodyPr/>
-        <a:lstStyle/>
-        <a:p>
-          <a:r>
-            <a:rPr lang="en-US" dirty="0"/>
-            <a:t>“Getting very comfortable with git, testing, and automatic checks...”</a:t>
-          </a:r>
-        </a:p>
-      </dgm:t>
-    </dgm:pt>
-    <dgm:pt modelId="{56F93FF0-AB61-4CF7-9974-7034B00428D5}" type="parTrans" cxnId="{5EB35FBC-B8D9-4018-AD3B-57186DE7E7B4}">
-      <dgm:prSet/>
-      <dgm:spPr/>
-      <dgm:t>
-        <a:bodyPr/>
-        <a:lstStyle/>
-        <a:p>
-          <a:endParaRPr lang="en-US"/>
-        </a:p>
-      </dgm:t>
-    </dgm:pt>
-    <dgm:pt modelId="{48F29E51-4732-4F37-9E31-5E21DFF1DA36}" type="sibTrans" cxnId="{5EB35FBC-B8D9-4018-AD3B-57186DE7E7B4}">
-      <dgm:prSet/>
-      <dgm:spPr/>
-      <dgm:t>
-        <a:bodyPr/>
-        <a:lstStyle/>
-        <a:p>
-          <a:endParaRPr lang="en-US"/>
-        </a:p>
-      </dgm:t>
-    </dgm:pt>
-    <dgm:pt modelId="{0019812A-4D28-4530-A754-06FFE9ACF4E5}">
-      <dgm:prSet/>
-      <dgm:spPr/>
-      <dgm:t>
-        <a:bodyPr/>
-        <a:lstStyle/>
-        <a:p>
-          <a:r>
-            <a:rPr lang="en-US" dirty="0"/>
-            <a:t>“I actually had a question about GitHub actions in one of my job interviews...”</a:t>
-          </a:r>
-        </a:p>
-      </dgm:t>
-    </dgm:pt>
-    <dgm:pt modelId="{121DFCC4-3DCE-4D68-964C-C3EEB07A7B67}" type="parTrans" cxnId="{98EEDEC9-6695-4EBC-9AE8-0AD78FE412A5}">
-      <dgm:prSet/>
-      <dgm:spPr/>
-      <dgm:t>
-        <a:bodyPr/>
-        <a:lstStyle/>
-        <a:p>
-          <a:endParaRPr lang="en-US"/>
-        </a:p>
-      </dgm:t>
-    </dgm:pt>
-    <dgm:pt modelId="{D36FCAB3-6ECB-4035-8E7C-723FE87DD89E}" type="sibTrans" cxnId="{98EEDEC9-6695-4EBC-9AE8-0AD78FE412A5}">
-      <dgm:prSet/>
-      <dgm:spPr/>
-      <dgm:t>
-        <a:bodyPr/>
-        <a:lstStyle/>
-        <a:p>
-          <a:endParaRPr lang="en-US"/>
-        </a:p>
-      </dgm:t>
-    </dgm:pt>
     <dgm:pt modelId="{DCB25EDC-29F1-4379-AC31-6D2986289164}">
       <dgm:prSet/>
       <dgm:spPr/>
@@ -5130,18 +5014,18 @@
         <a:lstStyle/>
         <a:p>
           <a:r>
-            <a:rPr lang="en-AU"/>
+            <a:rPr lang="en-AU" dirty="0"/>
             <a:t>“</a:t>
           </a:r>
           <a:r>
-            <a:rPr lang="en-AU" i="1"/>
+            <a:rPr lang="en-AU" i="1" dirty="0"/>
             <a:t>I still don't really know how to use Docker</a:t>
           </a:r>
           <a:r>
-            <a:rPr lang="en-AU"/>
+            <a:rPr lang="en-AU" dirty="0"/>
             <a:t>”</a:t>
           </a:r>
-          <a:endParaRPr lang="en-US"/>
+          <a:endParaRPr lang="en-US" dirty="0"/>
         </a:p>
       </dgm:t>
     </dgm:pt>
@@ -5164,39 +5048,6 @@
         <a:lstStyle/>
         <a:p>
           <a:endParaRPr lang="en-US"/>
-        </a:p>
-      </dgm:t>
-    </dgm:pt>
-    <dgm:pt modelId="{74681D50-8D83-B14B-8F0A-8187EAC5603F}">
-      <dgm:prSet/>
-      <dgm:spPr/>
-      <dgm:t>
-        <a:bodyPr/>
-        <a:lstStyle/>
-        <a:p>
-          <a:endParaRPr lang="en-US" dirty="0"/>
-        </a:p>
-      </dgm:t>
-    </dgm:pt>
-    <dgm:pt modelId="{FD8DB5F5-21E4-FB40-AF03-77918E937131}" type="parTrans" cxnId="{D48ECC95-1810-4443-91AE-FE1644672F09}">
-      <dgm:prSet/>
-      <dgm:spPr/>
-      <dgm:t>
-        <a:bodyPr/>
-        <a:lstStyle/>
-        <a:p>
-          <a:endParaRPr lang="en-GB"/>
-        </a:p>
-      </dgm:t>
-    </dgm:pt>
-    <dgm:pt modelId="{45181D6E-6AD6-1141-AC65-0F3C35A4B382}" type="sibTrans" cxnId="{D48ECC95-1810-4443-91AE-FE1644672F09}">
-      <dgm:prSet/>
-      <dgm:spPr/>
-      <dgm:t>
-        <a:bodyPr/>
-        <a:lstStyle/>
-        <a:p>
-          <a:endParaRPr lang="en-GB"/>
         </a:p>
       </dgm:t>
     </dgm:pt>
@@ -5233,6 +5084,255 @@
         </a:p>
       </dgm:t>
     </dgm:pt>
+    <dgm:pt modelId="{D88C196D-B30B-4CC2-80C6-32F0F5BC3262}">
+      <dgm:prSet/>
+      <dgm:spPr/>
+      <dgm:t>
+        <a:bodyPr/>
+        <a:lstStyle/>
+        <a:p>
+          <a:r>
+            <a:rPr lang="en-GB" b="1" dirty="0">
+              <a:solidFill>
+                <a:schemeClr val="accent1"/>
+              </a:solidFill>
+            </a:rPr>
+            <a:t>Prepared for industry</a:t>
+          </a:r>
+          <a:endParaRPr lang="en-US" dirty="0">
+            <a:solidFill>
+              <a:schemeClr val="accent1"/>
+            </a:solidFill>
+          </a:endParaRPr>
+        </a:p>
+      </dgm:t>
+    </dgm:pt>
+    <dgm:pt modelId="{04966457-C3C6-4794-ABE0-8B553BF05F98}" type="sibTrans" cxnId="{97FA6EAE-6616-455C-AA8A-C7C77060E128}">
+      <dgm:prSet/>
+      <dgm:spPr/>
+      <dgm:t>
+        <a:bodyPr/>
+        <a:lstStyle/>
+        <a:p>
+          <a:endParaRPr lang="en-US"/>
+        </a:p>
+      </dgm:t>
+    </dgm:pt>
+    <dgm:pt modelId="{898AA06D-6440-4623-88CD-0D8DDA76C2AC}" type="parTrans" cxnId="{97FA6EAE-6616-455C-AA8A-C7C77060E128}">
+      <dgm:prSet/>
+      <dgm:spPr/>
+      <dgm:t>
+        <a:bodyPr/>
+        <a:lstStyle/>
+        <a:p>
+          <a:endParaRPr lang="en-US"/>
+        </a:p>
+      </dgm:t>
+    </dgm:pt>
+    <dgm:pt modelId="{F2250D65-294F-4F74-A606-3745241A168B}">
+      <dgm:prSet/>
+      <dgm:spPr/>
+      <dgm:t>
+        <a:bodyPr/>
+        <a:lstStyle/>
+        <a:p>
+          <a:r>
+            <a:rPr lang="en-US" dirty="0"/>
+            <a:t>“Getting very comfortable with git, testing, and automatic checks...”</a:t>
+          </a:r>
+        </a:p>
+      </dgm:t>
+    </dgm:pt>
+    <dgm:pt modelId="{48F29E51-4732-4F37-9E31-5E21DFF1DA36}" type="sibTrans" cxnId="{5EB35FBC-B8D9-4018-AD3B-57186DE7E7B4}">
+      <dgm:prSet/>
+      <dgm:spPr/>
+      <dgm:t>
+        <a:bodyPr/>
+        <a:lstStyle/>
+        <a:p>
+          <a:endParaRPr lang="en-US"/>
+        </a:p>
+      </dgm:t>
+    </dgm:pt>
+    <dgm:pt modelId="{56F93FF0-AB61-4CF7-9974-7034B00428D5}" type="parTrans" cxnId="{5EB35FBC-B8D9-4018-AD3B-57186DE7E7B4}">
+      <dgm:prSet/>
+      <dgm:spPr/>
+      <dgm:t>
+        <a:bodyPr/>
+        <a:lstStyle/>
+        <a:p>
+          <a:endParaRPr lang="en-US"/>
+        </a:p>
+      </dgm:t>
+    </dgm:pt>
+    <dgm:pt modelId="{74681D50-8D83-B14B-8F0A-8187EAC5603F}">
+      <dgm:prSet/>
+      <dgm:spPr/>
+      <dgm:t>
+        <a:bodyPr/>
+        <a:lstStyle/>
+        <a:p>
+          <a:endParaRPr lang="en-US" dirty="0"/>
+        </a:p>
+      </dgm:t>
+    </dgm:pt>
+    <dgm:pt modelId="{45181D6E-6AD6-1141-AC65-0F3C35A4B382}" type="sibTrans" cxnId="{D48ECC95-1810-4443-91AE-FE1644672F09}">
+      <dgm:prSet/>
+      <dgm:spPr/>
+      <dgm:t>
+        <a:bodyPr/>
+        <a:lstStyle/>
+        <a:p>
+          <a:endParaRPr lang="en-GB"/>
+        </a:p>
+      </dgm:t>
+    </dgm:pt>
+    <dgm:pt modelId="{FD8DB5F5-21E4-FB40-AF03-77918E937131}" type="parTrans" cxnId="{D48ECC95-1810-4443-91AE-FE1644672F09}">
+      <dgm:prSet/>
+      <dgm:spPr/>
+      <dgm:t>
+        <a:bodyPr/>
+        <a:lstStyle/>
+        <a:p>
+          <a:endParaRPr lang="en-GB"/>
+        </a:p>
+      </dgm:t>
+    </dgm:pt>
+    <dgm:pt modelId="{0019812A-4D28-4530-A754-06FFE9ACF4E5}">
+      <dgm:prSet/>
+      <dgm:spPr/>
+      <dgm:t>
+        <a:bodyPr/>
+        <a:lstStyle/>
+        <a:p>
+          <a:r>
+            <a:rPr lang="en-US" dirty="0"/>
+            <a:t>“I actually had a question about GitHub actions in one of my job interviews...”</a:t>
+          </a:r>
+        </a:p>
+      </dgm:t>
+    </dgm:pt>
+    <dgm:pt modelId="{D36FCAB3-6ECB-4035-8E7C-723FE87DD89E}" type="sibTrans" cxnId="{98EEDEC9-6695-4EBC-9AE8-0AD78FE412A5}">
+      <dgm:prSet/>
+      <dgm:spPr/>
+      <dgm:t>
+        <a:bodyPr/>
+        <a:lstStyle/>
+        <a:p>
+          <a:endParaRPr lang="en-US"/>
+        </a:p>
+      </dgm:t>
+    </dgm:pt>
+    <dgm:pt modelId="{121DFCC4-3DCE-4D68-964C-C3EEB07A7B67}" type="parTrans" cxnId="{98EEDEC9-6695-4EBC-9AE8-0AD78FE412A5}">
+      <dgm:prSet/>
+      <dgm:spPr/>
+      <dgm:t>
+        <a:bodyPr/>
+        <a:lstStyle/>
+        <a:p>
+          <a:endParaRPr lang="en-US"/>
+        </a:p>
+      </dgm:t>
+    </dgm:pt>
+    <dgm:pt modelId="{C251BC4A-7831-C447-9694-C158713054F9}">
+      <dgm:prSet/>
+      <dgm:spPr/>
+      <dgm:t>
+        <a:bodyPr/>
+        <a:lstStyle/>
+        <a:p>
+          <a:endParaRPr lang="en-US" dirty="0"/>
+        </a:p>
+      </dgm:t>
+    </dgm:pt>
+    <dgm:pt modelId="{8BB969B5-EE98-824F-9324-14F2D8F036E8}" type="parTrans" cxnId="{0D01CA1C-2FC2-2242-AA44-D5AAB3AB128D}">
+      <dgm:prSet/>
+      <dgm:spPr/>
+      <dgm:t>
+        <a:bodyPr/>
+        <a:lstStyle/>
+        <a:p>
+          <a:endParaRPr lang="en-GB"/>
+        </a:p>
+      </dgm:t>
+    </dgm:pt>
+    <dgm:pt modelId="{1CE7965B-4FA3-364A-B423-7C70E663D196}" type="sibTrans" cxnId="{0D01CA1C-2FC2-2242-AA44-D5AAB3AB128D}">
+      <dgm:prSet/>
+      <dgm:spPr/>
+      <dgm:t>
+        <a:bodyPr/>
+        <a:lstStyle/>
+        <a:p>
+          <a:endParaRPr lang="en-GB"/>
+        </a:p>
+      </dgm:t>
+    </dgm:pt>
+    <dgm:pt modelId="{7F43FE7E-F71C-D644-BDAA-EB5A2D3DE948}">
+      <dgm:prSet/>
+      <dgm:spPr/>
+      <dgm:t>
+        <a:bodyPr/>
+        <a:lstStyle/>
+        <a:p>
+          <a:endParaRPr lang="en-US" dirty="0"/>
+        </a:p>
+      </dgm:t>
+    </dgm:pt>
+    <dgm:pt modelId="{6D5549DC-85CE-7048-8693-10C450C93918}" type="parTrans" cxnId="{A579906E-97FA-5741-8D62-8AF92B0C1557}">
+      <dgm:prSet/>
+      <dgm:spPr/>
+      <dgm:t>
+        <a:bodyPr/>
+        <a:lstStyle/>
+        <a:p>
+          <a:endParaRPr lang="en-GB"/>
+        </a:p>
+      </dgm:t>
+    </dgm:pt>
+    <dgm:pt modelId="{A4519434-0588-B343-9978-7FF4487F2D58}" type="sibTrans" cxnId="{A579906E-97FA-5741-8D62-8AF92B0C1557}">
+      <dgm:prSet/>
+      <dgm:spPr/>
+      <dgm:t>
+        <a:bodyPr/>
+        <a:lstStyle/>
+        <a:p>
+          <a:endParaRPr lang="en-GB"/>
+        </a:p>
+      </dgm:t>
+    </dgm:pt>
+    <dgm:pt modelId="{6A1719AB-34B7-CD44-8481-2F5BCD509B89}">
+      <dgm:prSet/>
+      <dgm:spPr/>
+      <dgm:t>
+        <a:bodyPr/>
+        <a:lstStyle/>
+        <a:p>
+          <a:endParaRPr lang="en-US" dirty="0"/>
+        </a:p>
+      </dgm:t>
+    </dgm:pt>
+    <dgm:pt modelId="{015C67FF-7581-654D-822C-832D340DA384}" type="parTrans" cxnId="{4B713A38-C7DC-1B43-AD37-725F910A608C}">
+      <dgm:prSet/>
+      <dgm:spPr/>
+      <dgm:t>
+        <a:bodyPr/>
+        <a:lstStyle/>
+        <a:p>
+          <a:endParaRPr lang="en-GB"/>
+        </a:p>
+      </dgm:t>
+    </dgm:pt>
+    <dgm:pt modelId="{579EC22D-1460-E24F-86D3-5FC531D93A78}" type="sibTrans" cxnId="{4B713A38-C7DC-1B43-AD37-725F910A608C}">
+      <dgm:prSet/>
+      <dgm:spPr/>
+      <dgm:t>
+        <a:bodyPr/>
+        <a:lstStyle/>
+        <a:p>
+          <a:endParaRPr lang="en-GB"/>
+        </a:p>
+      </dgm:t>
+    </dgm:pt>
     <dgm:pt modelId="{93B59F48-78E9-D747-8902-465CAE3A7319}" type="pres">
       <dgm:prSet presAssocID="{7216B459-8AAB-47FF-8621-62B829AFA29E}" presName="linear" presStyleCnt="0">
         <dgm:presLayoutVars>
@@ -5241,6 +5341,39 @@
           <dgm:resizeHandles val="exact"/>
         </dgm:presLayoutVars>
       </dgm:prSet>
+      <dgm:spPr/>
+    </dgm:pt>
+    <dgm:pt modelId="{4CD7CE3E-B9C3-6248-B49A-F64350909E7F}" type="pres">
+      <dgm:prSet presAssocID="{DCB25EDC-29F1-4379-AC31-6D2986289164}" presName="parentLin" presStyleCnt="0"/>
+      <dgm:spPr/>
+    </dgm:pt>
+    <dgm:pt modelId="{C989ED48-6563-754D-A265-F07C1CC7B64A}" type="pres">
+      <dgm:prSet presAssocID="{DCB25EDC-29F1-4379-AC31-6D2986289164}" presName="parentLeftMargin" presStyleLbl="node1" presStyleIdx="0" presStyleCnt="3"/>
+      <dgm:spPr/>
+    </dgm:pt>
+    <dgm:pt modelId="{36351F04-5643-C048-912A-492A3DA3574F}" type="pres">
+      <dgm:prSet presAssocID="{DCB25EDC-29F1-4379-AC31-6D2986289164}" presName="parentText" presStyleLbl="node1" presStyleIdx="0" presStyleCnt="3">
+        <dgm:presLayoutVars>
+          <dgm:chMax val="0"/>
+          <dgm:bulletEnabled val="1"/>
+        </dgm:presLayoutVars>
+      </dgm:prSet>
+      <dgm:spPr/>
+    </dgm:pt>
+    <dgm:pt modelId="{75E76A8A-1AAC-5D4D-8CB0-4E20818226B2}" type="pres">
+      <dgm:prSet presAssocID="{DCB25EDC-29F1-4379-AC31-6D2986289164}" presName="negativeSpace" presStyleCnt="0"/>
+      <dgm:spPr/>
+    </dgm:pt>
+    <dgm:pt modelId="{D80617D1-60DC-1040-A36C-48ED58ED6C1C}" type="pres">
+      <dgm:prSet presAssocID="{DCB25EDC-29F1-4379-AC31-6D2986289164}" presName="childText" presStyleLbl="conFgAcc1" presStyleIdx="0" presStyleCnt="3">
+        <dgm:presLayoutVars>
+          <dgm:bulletEnabled val="1"/>
+        </dgm:presLayoutVars>
+      </dgm:prSet>
+      <dgm:spPr/>
+    </dgm:pt>
+    <dgm:pt modelId="{F54F31C9-BB36-C543-A57C-F4FB90A34016}" type="pres">
+      <dgm:prSet presAssocID="{D6A41469-AE51-4ACE-BF22-33682417FEBE}" presName="spaceBetweenRectangles" presStyleCnt="0"/>
       <dgm:spPr/>
     </dgm:pt>
     <dgm:pt modelId="{5F59F8A0-5CA0-1246-86C1-3EDC709EACF3}" type="pres">
@@ -5252,7 +5385,7 @@
       <dgm:spPr/>
     </dgm:pt>
     <dgm:pt modelId="{B73FA951-D824-4D40-B473-BFB76760C992}" type="pres">
-      <dgm:prSet presAssocID="{D88C196D-B30B-4CC2-80C6-32F0F5BC3262}" presName="parentText" presStyleLbl="node1" presStyleIdx="0" presStyleCnt="3">
+      <dgm:prSet presAssocID="{D88C196D-B30B-4CC2-80C6-32F0F5BC3262}" presName="parentText" presStyleLbl="node1" presStyleIdx="1" presStyleCnt="3">
         <dgm:presLayoutVars>
           <dgm:chMax val="0"/>
           <dgm:bulletEnabled val="1"/>
@@ -5265,7 +5398,7 @@
       <dgm:spPr/>
     </dgm:pt>
     <dgm:pt modelId="{61BC650E-3243-AC4B-9989-503314384114}" type="pres">
-      <dgm:prSet presAssocID="{D88C196D-B30B-4CC2-80C6-32F0F5BC3262}" presName="childText" presStyleLbl="conFgAcc1" presStyleIdx="0" presStyleCnt="3">
+      <dgm:prSet presAssocID="{D88C196D-B30B-4CC2-80C6-32F0F5BC3262}" presName="childText" presStyleLbl="conFgAcc1" presStyleIdx="1" presStyleCnt="3">
         <dgm:presLayoutVars>
           <dgm:bulletEnabled val="1"/>
         </dgm:presLayoutVars>
@@ -5274,39 +5407,6 @@
     </dgm:pt>
     <dgm:pt modelId="{9B701430-0312-5E4A-8A8D-AED7A71D7070}" type="pres">
       <dgm:prSet presAssocID="{04966457-C3C6-4794-ABE0-8B553BF05F98}" presName="spaceBetweenRectangles" presStyleCnt="0"/>
-      <dgm:spPr/>
-    </dgm:pt>
-    <dgm:pt modelId="{4CD7CE3E-B9C3-6248-B49A-F64350909E7F}" type="pres">
-      <dgm:prSet presAssocID="{DCB25EDC-29F1-4379-AC31-6D2986289164}" presName="parentLin" presStyleCnt="0"/>
-      <dgm:spPr/>
-    </dgm:pt>
-    <dgm:pt modelId="{C989ED48-6563-754D-A265-F07C1CC7B64A}" type="pres">
-      <dgm:prSet presAssocID="{DCB25EDC-29F1-4379-AC31-6D2986289164}" presName="parentLeftMargin" presStyleLbl="node1" presStyleIdx="0" presStyleCnt="3"/>
-      <dgm:spPr/>
-    </dgm:pt>
-    <dgm:pt modelId="{36351F04-5643-C048-912A-492A3DA3574F}" type="pres">
-      <dgm:prSet presAssocID="{DCB25EDC-29F1-4379-AC31-6D2986289164}" presName="parentText" presStyleLbl="node1" presStyleIdx="1" presStyleCnt="3">
-        <dgm:presLayoutVars>
-          <dgm:chMax val="0"/>
-          <dgm:bulletEnabled val="1"/>
-        </dgm:presLayoutVars>
-      </dgm:prSet>
-      <dgm:spPr/>
-    </dgm:pt>
-    <dgm:pt modelId="{75E76A8A-1AAC-5D4D-8CB0-4E20818226B2}" type="pres">
-      <dgm:prSet presAssocID="{DCB25EDC-29F1-4379-AC31-6D2986289164}" presName="negativeSpace" presStyleCnt="0"/>
-      <dgm:spPr/>
-    </dgm:pt>
-    <dgm:pt modelId="{D80617D1-60DC-1040-A36C-48ED58ED6C1C}" type="pres">
-      <dgm:prSet presAssocID="{DCB25EDC-29F1-4379-AC31-6D2986289164}" presName="childText" presStyleLbl="conFgAcc1" presStyleIdx="1" presStyleCnt="3">
-        <dgm:presLayoutVars>
-          <dgm:bulletEnabled val="1"/>
-        </dgm:presLayoutVars>
-      </dgm:prSet>
-      <dgm:spPr/>
-    </dgm:pt>
-    <dgm:pt modelId="{F54F31C9-BB36-C543-A57C-F4FB90A34016}" type="pres">
-      <dgm:prSet presAssocID="{D6A41469-AE51-4ACE-BF22-33682417FEBE}" presName="spaceBetweenRectangles" presStyleCnt="0"/>
       <dgm:spPr/>
     </dgm:pt>
     <dgm:pt modelId="{2D6F5CAA-C3DB-A749-8CA0-DAA3C6B3CABD}" type="pres">
@@ -5340,47 +5440,53 @@
     </dgm:pt>
   </dgm:ptLst>
   <dgm:cxnLst>
-    <dgm:cxn modelId="{B9CE690C-D483-5042-B6B5-A73A4DF1A07E}" type="presOf" srcId="{0019812A-4D28-4530-A754-06FFE9ACF4E5}" destId="{61BC650E-3243-AC4B-9989-503314384114}" srcOrd="0" destOrd="2" presId="urn:microsoft.com/office/officeart/2005/8/layout/list1"/>
-    <dgm:cxn modelId="{ACA16513-9C30-4E32-A1BB-87784C504043}" srcId="{2FE0341C-6D7C-4748-BA1D-47F2824C5854}" destId="{2B7E6808-049C-4E22-801A-8BDF89950338}" srcOrd="0" destOrd="0" parTransId="{88CF30D8-7C74-4AAF-9B18-A163714528BA}" sibTransId="{279031E1-97AD-4660-B25B-011A05C4C8A6}"/>
-    <dgm:cxn modelId="{0E277617-A404-9F4C-A02C-64B85F84B69A}" type="presOf" srcId="{2FE0341C-6D7C-4748-BA1D-47F2824C5854}" destId="{A53A61BB-59DA-824C-BBCF-AC8C8821053D}" srcOrd="0" destOrd="0" presId="urn:microsoft.com/office/officeart/2005/8/layout/list1"/>
-    <dgm:cxn modelId="{0262BF17-433E-9046-916F-78E602355ED1}" type="presOf" srcId="{DCB25EDC-29F1-4379-AC31-6D2986289164}" destId="{36351F04-5643-C048-912A-492A3DA3574F}" srcOrd="1" destOrd="0" presId="urn:microsoft.com/office/officeart/2005/8/layout/list1"/>
-    <dgm:cxn modelId="{A0CB5A26-F31B-A54C-BE15-F64A09768917}" type="presOf" srcId="{2B7E6808-049C-4E22-801A-8BDF89950338}" destId="{B2720DD1-2B63-A84D-BA7A-A4B7224D7020}" srcOrd="0" destOrd="0" presId="urn:microsoft.com/office/officeart/2005/8/layout/list1"/>
-    <dgm:cxn modelId="{49C3FE2C-9CFE-D646-8BF9-954BD9C274DE}" type="presOf" srcId="{BCD4DFF1-2DDD-E44C-9EC4-E1FEFE8791A1}" destId="{D80617D1-60DC-1040-A36C-48ED58ED6C1C}" srcOrd="0" destOrd="1" presId="urn:microsoft.com/office/officeart/2005/8/layout/list1"/>
-    <dgm:cxn modelId="{909BA23B-2700-4444-9D19-8DF8DDB07190}" type="presOf" srcId="{D88C196D-B30B-4CC2-80C6-32F0F5BC3262}" destId="{41522AB1-7458-3C47-87D5-576EF4F9F38D}" srcOrd="0" destOrd="0" presId="urn:microsoft.com/office/officeart/2005/8/layout/list1"/>
-    <dgm:cxn modelId="{1B84E743-1D7C-D14B-989C-2E80ECA23E1C}" type="presOf" srcId="{E3A0F877-6567-429B-82C7-D5665FF88D4B}" destId="{D80617D1-60DC-1040-A36C-48ED58ED6C1C}" srcOrd="0" destOrd="0" presId="urn:microsoft.com/office/officeart/2005/8/layout/list1"/>
+    <dgm:cxn modelId="{5E36C104-6778-C844-8999-F202509F61CE}" type="presOf" srcId="{DCB25EDC-29F1-4379-AC31-6D2986289164}" destId="{36351F04-5643-C048-912A-492A3DA3574F}" srcOrd="1" destOrd="0" presId="urn:microsoft.com/office/officeart/2005/8/layout/list1"/>
+    <dgm:cxn modelId="{9C8FE804-5A3B-FB41-9AB1-39B2737799FF}" type="presOf" srcId="{6A1719AB-34B7-CD44-8481-2F5BCD509B89}" destId="{D80617D1-60DC-1040-A36C-48ED58ED6C1C}" srcOrd="0" destOrd="0" presId="urn:microsoft.com/office/officeart/2005/8/layout/list1"/>
+    <dgm:cxn modelId="{ACA16513-9C30-4E32-A1BB-87784C504043}" srcId="{2FE0341C-6D7C-4748-BA1D-47F2824C5854}" destId="{2B7E6808-049C-4E22-801A-8BDF89950338}" srcOrd="1" destOrd="0" parTransId="{88CF30D8-7C74-4AAF-9B18-A163714528BA}" sibTransId="{279031E1-97AD-4660-B25B-011A05C4C8A6}"/>
+    <dgm:cxn modelId="{0D01CA1C-2FC2-2242-AA44-D5AAB3AB128D}" srcId="{2FE0341C-6D7C-4748-BA1D-47F2824C5854}" destId="{C251BC4A-7831-C447-9694-C158713054F9}" srcOrd="0" destOrd="0" parTransId="{8BB969B5-EE98-824F-9324-14F2D8F036E8}" sibTransId="{1CE7965B-4FA3-364A-B423-7C70E663D196}"/>
+    <dgm:cxn modelId="{FA6B1C25-1924-8D4B-97E6-96D732956995}" type="presOf" srcId="{74681D50-8D83-B14B-8F0A-8187EAC5603F}" destId="{61BC650E-3243-AC4B-9989-503314384114}" srcOrd="0" destOrd="2" presId="urn:microsoft.com/office/officeart/2005/8/layout/list1"/>
+    <dgm:cxn modelId="{4B713A38-C7DC-1B43-AD37-725F910A608C}" srcId="{DCB25EDC-29F1-4379-AC31-6D2986289164}" destId="{6A1719AB-34B7-CD44-8481-2F5BCD509B89}" srcOrd="0" destOrd="0" parTransId="{015C67FF-7581-654D-822C-832D340DA384}" sibTransId="{579EC22D-1460-E24F-86D3-5FC531D93A78}"/>
+    <dgm:cxn modelId="{B04CFC48-D4F1-F24B-95C6-B233E12C6799}" type="presOf" srcId="{BCD4DFF1-2DDD-E44C-9EC4-E1FEFE8791A1}" destId="{D80617D1-60DC-1040-A36C-48ED58ED6C1C}" srcOrd="0" destOrd="2" presId="urn:microsoft.com/office/officeart/2005/8/layout/list1"/>
+    <dgm:cxn modelId="{AA289C4D-B01A-694D-BEE5-F888C7A24642}" type="presOf" srcId="{2FE0341C-6D7C-4748-BA1D-47F2824C5854}" destId="{A53A61BB-59DA-824C-BBCF-AC8C8821053D}" srcOrd="0" destOrd="0" presId="urn:microsoft.com/office/officeart/2005/8/layout/list1"/>
     <dgm:cxn modelId="{47DDB150-7878-4E7D-80A9-4DF00C3B622D}" srcId="{7216B459-8AAB-47FF-8621-62B829AFA29E}" destId="{2FE0341C-6D7C-4748-BA1D-47F2824C5854}" srcOrd="2" destOrd="0" parTransId="{6BAADC56-F776-40F1-80A4-598F7B8BD0AA}" sibTransId="{EFC0A756-9BEE-4EB8-B5AF-A5B4C41A0039}"/>
     <dgm:cxn modelId="{00C2BD53-0651-6C46-941A-51D62FD8B44E}" type="presOf" srcId="{7216B459-8AAB-47FF-8621-62B829AFA29E}" destId="{93B59F48-78E9-D747-8902-465CAE3A7319}" srcOrd="0" destOrd="0" presId="urn:microsoft.com/office/officeart/2005/8/layout/list1"/>
-    <dgm:cxn modelId="{CCFF6E66-202B-4543-AC41-3885733F860E}" srcId="{DCB25EDC-29F1-4379-AC31-6D2986289164}" destId="{BCD4DFF1-2DDD-E44C-9EC4-E1FEFE8791A1}" srcOrd="1" destOrd="0" parTransId="{23865BE7-91A5-7348-8CC9-AD768C55BFE5}" sibTransId="{7889B185-39AC-524F-A6A2-E5259AE76F17}"/>
-    <dgm:cxn modelId="{9A286569-D123-2240-B566-30233F8766E8}" type="presOf" srcId="{DCB25EDC-29F1-4379-AC31-6D2986289164}" destId="{C989ED48-6563-754D-A265-F07C1CC7B64A}" srcOrd="0" destOrd="0" presId="urn:microsoft.com/office/officeart/2005/8/layout/list1"/>
-    <dgm:cxn modelId="{DA95C072-7879-4A47-A32F-3490A4716F6B}" srcId="{DCB25EDC-29F1-4379-AC31-6D2986289164}" destId="{E3A0F877-6567-429B-82C7-D5665FF88D4B}" srcOrd="0" destOrd="0" parTransId="{7443C2FD-A3F6-4CC2-B538-671A29F10F74}" sibTransId="{6C2C42D3-38D9-4CF8-91B5-D69CBC15F70B}"/>
-    <dgm:cxn modelId="{D48ECC95-1810-4443-91AE-FE1644672F09}" srcId="{D88C196D-B30B-4CC2-80C6-32F0F5BC3262}" destId="{74681D50-8D83-B14B-8F0A-8187EAC5603F}" srcOrd="1" destOrd="0" parTransId="{FD8DB5F5-21E4-FB40-AF03-77918E937131}" sibTransId="{45181D6E-6AD6-1141-AC65-0F3C35A4B382}"/>
-    <dgm:cxn modelId="{F5C8ADA4-22EB-5A4C-B262-9DABBFEDC42A}" type="presOf" srcId="{74681D50-8D83-B14B-8F0A-8187EAC5603F}" destId="{61BC650E-3243-AC4B-9989-503314384114}" srcOrd="0" destOrd="1" presId="urn:microsoft.com/office/officeart/2005/8/layout/list1"/>
-    <dgm:cxn modelId="{51CE37A6-B707-BB41-B966-BF86F1653A73}" type="presOf" srcId="{F2250D65-294F-4F74-A606-3745241A168B}" destId="{61BC650E-3243-AC4B-9989-503314384114}" srcOrd="0" destOrd="0" presId="urn:microsoft.com/office/officeart/2005/8/layout/list1"/>
-    <dgm:cxn modelId="{060AA1A7-2A01-4B46-88D6-1E4746E11947}" type="presOf" srcId="{B0474B21-21B6-4D23-AD0A-ADAE23C68CEC}" destId="{D80617D1-60DC-1040-A36C-48ED58ED6C1C}" srcOrd="0" destOrd="2" presId="urn:microsoft.com/office/officeart/2005/8/layout/list1"/>
-    <dgm:cxn modelId="{97FA6EAE-6616-455C-AA8A-C7C77060E128}" srcId="{7216B459-8AAB-47FF-8621-62B829AFA29E}" destId="{D88C196D-B30B-4CC2-80C6-32F0F5BC3262}" srcOrd="0" destOrd="0" parTransId="{898AA06D-6440-4623-88CD-0D8DDA76C2AC}" sibTransId="{04966457-C3C6-4794-ABE0-8B553BF05F98}"/>
-    <dgm:cxn modelId="{72A28FB1-3155-3D4B-A28C-3F11340861D3}" type="presOf" srcId="{D88C196D-B30B-4CC2-80C6-32F0F5BC3262}" destId="{B73FA951-D824-4D40-B473-BFB76760C992}" srcOrd="1" destOrd="0" presId="urn:microsoft.com/office/officeart/2005/8/layout/list1"/>
-    <dgm:cxn modelId="{5EB35FBC-B8D9-4018-AD3B-57186DE7E7B4}" srcId="{D88C196D-B30B-4CC2-80C6-32F0F5BC3262}" destId="{F2250D65-294F-4F74-A606-3745241A168B}" srcOrd="0" destOrd="0" parTransId="{56F93FF0-AB61-4CF7-9974-7034B00428D5}" sibTransId="{48F29E51-4732-4F37-9E31-5E21DFF1DA36}"/>
-    <dgm:cxn modelId="{98EEDEC9-6695-4EBC-9AE8-0AD78FE412A5}" srcId="{D88C196D-B30B-4CC2-80C6-32F0F5BC3262}" destId="{0019812A-4D28-4530-A754-06FFE9ACF4E5}" srcOrd="2" destOrd="0" parTransId="{121DFCC4-3DCE-4D68-964C-C3EEB07A7B67}" sibTransId="{D36FCAB3-6ECB-4035-8E7C-723FE87DD89E}"/>
-    <dgm:cxn modelId="{E3932BD7-E5B5-D746-825B-8041CDED223F}" type="presOf" srcId="{2FE0341C-6D7C-4748-BA1D-47F2824C5854}" destId="{02E77457-D627-7149-9ECB-432EAD8F237B}" srcOrd="1" destOrd="0" presId="urn:microsoft.com/office/officeart/2005/8/layout/list1"/>
-    <dgm:cxn modelId="{43869FE7-4816-425A-9B17-E2949DBFB9DD}" srcId="{DCB25EDC-29F1-4379-AC31-6D2986289164}" destId="{B0474B21-21B6-4D23-AD0A-ADAE23C68CEC}" srcOrd="2" destOrd="0" parTransId="{8A4E07B6-B026-4C1C-85B3-8366A09CFACD}" sibTransId="{A6E31FFB-25E8-4ABE-8FFE-3D50D8830CEF}"/>
-    <dgm:cxn modelId="{1325D8EC-1F7F-48DB-B586-F992DBCA5384}" srcId="{7216B459-8AAB-47FF-8621-62B829AFA29E}" destId="{DCB25EDC-29F1-4379-AC31-6D2986289164}" srcOrd="1" destOrd="0" parTransId="{4E94228F-527E-4A9B-A99C-2758475C237F}" sibTransId="{D6A41469-AE51-4ACE-BF22-33682417FEBE}"/>
-    <dgm:cxn modelId="{48E8151E-D33E-4E46-B22D-53E7D38723C0}" type="presParOf" srcId="{93B59F48-78E9-D747-8902-465CAE3A7319}" destId="{5F59F8A0-5CA0-1246-86C1-3EDC709EACF3}" srcOrd="0" destOrd="0" presId="urn:microsoft.com/office/officeart/2005/8/layout/list1"/>
-    <dgm:cxn modelId="{4C8B9059-3B46-404D-A2F4-8075958F30AE}" type="presParOf" srcId="{5F59F8A0-5CA0-1246-86C1-3EDC709EACF3}" destId="{41522AB1-7458-3C47-87D5-576EF4F9F38D}" srcOrd="0" destOrd="0" presId="urn:microsoft.com/office/officeart/2005/8/layout/list1"/>
-    <dgm:cxn modelId="{951DE330-5763-3947-A338-D0EA7CA2A1FA}" type="presParOf" srcId="{5F59F8A0-5CA0-1246-86C1-3EDC709EACF3}" destId="{B73FA951-D824-4D40-B473-BFB76760C992}" srcOrd="1" destOrd="0" presId="urn:microsoft.com/office/officeart/2005/8/layout/list1"/>
-    <dgm:cxn modelId="{6FF14C8B-CB20-5C4C-AE2E-D731466835DF}" type="presParOf" srcId="{93B59F48-78E9-D747-8902-465CAE3A7319}" destId="{EC4656EC-4A67-E34C-969D-0C6E360CEAE6}" srcOrd="1" destOrd="0" presId="urn:microsoft.com/office/officeart/2005/8/layout/list1"/>
-    <dgm:cxn modelId="{8D3B3BC3-7138-EA47-B9A7-BB709C9C2BCE}" type="presParOf" srcId="{93B59F48-78E9-D747-8902-465CAE3A7319}" destId="{61BC650E-3243-AC4B-9989-503314384114}" srcOrd="2" destOrd="0" presId="urn:microsoft.com/office/officeart/2005/8/layout/list1"/>
-    <dgm:cxn modelId="{91A65490-8532-C145-A97F-A3A7F79C0519}" type="presParOf" srcId="{93B59F48-78E9-D747-8902-465CAE3A7319}" destId="{9B701430-0312-5E4A-8A8D-AED7A71D7070}" srcOrd="3" destOrd="0" presId="urn:microsoft.com/office/officeart/2005/8/layout/list1"/>
-    <dgm:cxn modelId="{51A1D263-A165-4749-BE59-04CC52EC0D74}" type="presParOf" srcId="{93B59F48-78E9-D747-8902-465CAE3A7319}" destId="{4CD7CE3E-B9C3-6248-B49A-F64350909E7F}" srcOrd="4" destOrd="0" presId="urn:microsoft.com/office/officeart/2005/8/layout/list1"/>
-    <dgm:cxn modelId="{48CDA11E-7253-6A40-8F8E-1F1ACCBFFEBF}" type="presParOf" srcId="{4CD7CE3E-B9C3-6248-B49A-F64350909E7F}" destId="{C989ED48-6563-754D-A265-F07C1CC7B64A}" srcOrd="0" destOrd="0" presId="urn:microsoft.com/office/officeart/2005/8/layout/list1"/>
-    <dgm:cxn modelId="{A4605BB8-23C1-EA4C-8C78-9307DD0BA3F3}" type="presParOf" srcId="{4CD7CE3E-B9C3-6248-B49A-F64350909E7F}" destId="{36351F04-5643-C048-912A-492A3DA3574F}" srcOrd="1" destOrd="0" presId="urn:microsoft.com/office/officeart/2005/8/layout/list1"/>
-    <dgm:cxn modelId="{B512A74F-3D6C-2B4E-B037-33DA84D2FA4D}" type="presParOf" srcId="{93B59F48-78E9-D747-8902-465CAE3A7319}" destId="{75E76A8A-1AAC-5D4D-8CB0-4E20818226B2}" srcOrd="5" destOrd="0" presId="urn:microsoft.com/office/officeart/2005/8/layout/list1"/>
-    <dgm:cxn modelId="{D8E3BEC8-D086-C444-96AF-4820984F8981}" type="presParOf" srcId="{93B59F48-78E9-D747-8902-465CAE3A7319}" destId="{D80617D1-60DC-1040-A36C-48ED58ED6C1C}" srcOrd="6" destOrd="0" presId="urn:microsoft.com/office/officeart/2005/8/layout/list1"/>
-    <dgm:cxn modelId="{A98A18FB-7A3F-4443-AAC1-608C23F62E03}" type="presParOf" srcId="{93B59F48-78E9-D747-8902-465CAE3A7319}" destId="{F54F31C9-BB36-C543-A57C-F4FB90A34016}" srcOrd="7" destOrd="0" presId="urn:microsoft.com/office/officeart/2005/8/layout/list1"/>
-    <dgm:cxn modelId="{3D500640-8EDF-B54E-9702-13DB7EA07254}" type="presParOf" srcId="{93B59F48-78E9-D747-8902-465CAE3A7319}" destId="{2D6F5CAA-C3DB-A749-8CA0-DAA3C6B3CABD}" srcOrd="8" destOrd="0" presId="urn:microsoft.com/office/officeart/2005/8/layout/list1"/>
-    <dgm:cxn modelId="{4581EA80-ACF1-D64F-AF87-C5BD835E44BB}" type="presParOf" srcId="{2D6F5CAA-C3DB-A749-8CA0-DAA3C6B3CABD}" destId="{A53A61BB-59DA-824C-BBCF-AC8C8821053D}" srcOrd="0" destOrd="0" presId="urn:microsoft.com/office/officeart/2005/8/layout/list1"/>
-    <dgm:cxn modelId="{F2FF7954-8F07-9640-B938-21E8084BDE47}" type="presParOf" srcId="{2D6F5CAA-C3DB-A749-8CA0-DAA3C6B3CABD}" destId="{02E77457-D627-7149-9ECB-432EAD8F237B}" srcOrd="1" destOrd="0" presId="urn:microsoft.com/office/officeart/2005/8/layout/list1"/>
-    <dgm:cxn modelId="{65EEC32B-1728-A24E-A957-1A222A7AE97F}" type="presParOf" srcId="{93B59F48-78E9-D747-8902-465CAE3A7319}" destId="{6C3CECF6-CCEB-6E43-96A1-EC4F810FD6F3}" srcOrd="9" destOrd="0" presId="urn:microsoft.com/office/officeart/2005/8/layout/list1"/>
-    <dgm:cxn modelId="{A490CD31-41EF-8F4C-A0F2-344BDAD0F114}" type="presParOf" srcId="{93B59F48-78E9-D747-8902-465CAE3A7319}" destId="{B2720DD1-2B63-A84D-BA7A-A4B7224D7020}" srcOrd="10" destOrd="0" presId="urn:microsoft.com/office/officeart/2005/8/layout/list1"/>
+    <dgm:cxn modelId="{02D3F25F-4502-5B42-B079-FB765ED35A79}" type="presOf" srcId="{2B7E6808-049C-4E22-801A-8BDF89950338}" destId="{B2720DD1-2B63-A84D-BA7A-A4B7224D7020}" srcOrd="0" destOrd="1" presId="urn:microsoft.com/office/officeart/2005/8/layout/list1"/>
+    <dgm:cxn modelId="{CCFF6E66-202B-4543-AC41-3885733F860E}" srcId="{DCB25EDC-29F1-4379-AC31-6D2986289164}" destId="{BCD4DFF1-2DDD-E44C-9EC4-E1FEFE8791A1}" srcOrd="2" destOrd="0" parTransId="{23865BE7-91A5-7348-8CC9-AD768C55BFE5}" sibTransId="{7889B185-39AC-524F-A6A2-E5259AE76F17}"/>
+    <dgm:cxn modelId="{A579906E-97FA-5741-8D62-8AF92B0C1557}" srcId="{D88C196D-B30B-4CC2-80C6-32F0F5BC3262}" destId="{7F43FE7E-F71C-D644-BDAA-EB5A2D3DE948}" srcOrd="0" destOrd="0" parTransId="{6D5549DC-85CE-7048-8693-10C450C93918}" sibTransId="{A4519434-0588-B343-9978-7FF4487F2D58}"/>
+    <dgm:cxn modelId="{DA95C072-7879-4A47-A32F-3490A4716F6B}" srcId="{DCB25EDC-29F1-4379-AC31-6D2986289164}" destId="{E3A0F877-6567-429B-82C7-D5665FF88D4B}" srcOrd="1" destOrd="0" parTransId="{7443C2FD-A3F6-4CC2-B538-671A29F10F74}" sibTransId="{6C2C42D3-38D9-4CF8-91B5-D69CBC15F70B}"/>
+    <dgm:cxn modelId="{E7019D81-224E-6541-9F4B-695FA663495E}" type="presOf" srcId="{7F43FE7E-F71C-D644-BDAA-EB5A2D3DE948}" destId="{61BC650E-3243-AC4B-9989-503314384114}" srcOrd="0" destOrd="0" presId="urn:microsoft.com/office/officeart/2005/8/layout/list1"/>
+    <dgm:cxn modelId="{44F03684-D101-3148-A670-810F2DB4A8D1}" type="presOf" srcId="{0019812A-4D28-4530-A754-06FFE9ACF4E5}" destId="{61BC650E-3243-AC4B-9989-503314384114}" srcOrd="0" destOrd="3" presId="urn:microsoft.com/office/officeart/2005/8/layout/list1"/>
+    <dgm:cxn modelId="{D48ECC95-1810-4443-91AE-FE1644672F09}" srcId="{D88C196D-B30B-4CC2-80C6-32F0F5BC3262}" destId="{74681D50-8D83-B14B-8F0A-8187EAC5603F}" srcOrd="2" destOrd="0" parTransId="{FD8DB5F5-21E4-FB40-AF03-77918E937131}" sibTransId="{45181D6E-6AD6-1141-AC65-0F3C35A4B382}"/>
+    <dgm:cxn modelId="{600101A2-8888-E04D-8865-9D54D8273C46}" type="presOf" srcId="{D88C196D-B30B-4CC2-80C6-32F0F5BC3262}" destId="{B73FA951-D824-4D40-B473-BFB76760C992}" srcOrd="1" destOrd="0" presId="urn:microsoft.com/office/officeart/2005/8/layout/list1"/>
+    <dgm:cxn modelId="{08F12EA8-27EF-664E-B40E-8ED66524712E}" type="presOf" srcId="{F2250D65-294F-4F74-A606-3745241A168B}" destId="{61BC650E-3243-AC4B-9989-503314384114}" srcOrd="0" destOrd="1" presId="urn:microsoft.com/office/officeart/2005/8/layout/list1"/>
+    <dgm:cxn modelId="{97FA6EAE-6616-455C-AA8A-C7C77060E128}" srcId="{7216B459-8AAB-47FF-8621-62B829AFA29E}" destId="{D88C196D-B30B-4CC2-80C6-32F0F5BC3262}" srcOrd="1" destOrd="0" parTransId="{898AA06D-6440-4623-88CD-0D8DDA76C2AC}" sibTransId="{04966457-C3C6-4794-ABE0-8B553BF05F98}"/>
+    <dgm:cxn modelId="{922ACFB9-1A9D-BF43-AC52-D8EE020BBF10}" type="presOf" srcId="{2FE0341C-6D7C-4748-BA1D-47F2824C5854}" destId="{02E77457-D627-7149-9ECB-432EAD8F237B}" srcOrd="1" destOrd="0" presId="urn:microsoft.com/office/officeart/2005/8/layout/list1"/>
+    <dgm:cxn modelId="{5EB35FBC-B8D9-4018-AD3B-57186DE7E7B4}" srcId="{D88C196D-B30B-4CC2-80C6-32F0F5BC3262}" destId="{F2250D65-294F-4F74-A606-3745241A168B}" srcOrd="1" destOrd="0" parTransId="{56F93FF0-AB61-4CF7-9974-7034B00428D5}" sibTransId="{48F29E51-4732-4F37-9E31-5E21DFF1DA36}"/>
+    <dgm:cxn modelId="{5C8F84BF-D3C9-F948-879F-6134D3F324DD}" type="presOf" srcId="{B0474B21-21B6-4D23-AD0A-ADAE23C68CEC}" destId="{D80617D1-60DC-1040-A36C-48ED58ED6C1C}" srcOrd="0" destOrd="3" presId="urn:microsoft.com/office/officeart/2005/8/layout/list1"/>
+    <dgm:cxn modelId="{98EEDEC9-6695-4EBC-9AE8-0AD78FE412A5}" srcId="{D88C196D-B30B-4CC2-80C6-32F0F5BC3262}" destId="{0019812A-4D28-4530-A754-06FFE9ACF4E5}" srcOrd="3" destOrd="0" parTransId="{121DFCC4-3DCE-4D68-964C-C3EEB07A7B67}" sibTransId="{D36FCAB3-6ECB-4035-8E7C-723FE87DD89E}"/>
+    <dgm:cxn modelId="{43869FE7-4816-425A-9B17-E2949DBFB9DD}" srcId="{DCB25EDC-29F1-4379-AC31-6D2986289164}" destId="{B0474B21-21B6-4D23-AD0A-ADAE23C68CEC}" srcOrd="3" destOrd="0" parTransId="{8A4E07B6-B026-4C1C-85B3-8366A09CFACD}" sibTransId="{A6E31FFB-25E8-4ABE-8FFE-3D50D8830CEF}"/>
+    <dgm:cxn modelId="{7E630EE9-621F-8242-A3D5-24468EB1C017}" type="presOf" srcId="{C251BC4A-7831-C447-9694-C158713054F9}" destId="{B2720DD1-2B63-A84D-BA7A-A4B7224D7020}" srcOrd="0" destOrd="0" presId="urn:microsoft.com/office/officeart/2005/8/layout/list1"/>
+    <dgm:cxn modelId="{7BFDCDEA-26C1-C84F-88CF-23B89BAA99DC}" type="presOf" srcId="{DCB25EDC-29F1-4379-AC31-6D2986289164}" destId="{C989ED48-6563-754D-A265-F07C1CC7B64A}" srcOrd="0" destOrd="0" presId="urn:microsoft.com/office/officeart/2005/8/layout/list1"/>
+    <dgm:cxn modelId="{1325D8EC-1F7F-48DB-B586-F992DBCA5384}" srcId="{7216B459-8AAB-47FF-8621-62B829AFA29E}" destId="{DCB25EDC-29F1-4379-AC31-6D2986289164}" srcOrd="0" destOrd="0" parTransId="{4E94228F-527E-4A9B-A99C-2758475C237F}" sibTransId="{D6A41469-AE51-4ACE-BF22-33682417FEBE}"/>
+    <dgm:cxn modelId="{1E46B2F1-F665-8049-A820-7F7CDDC6C990}" type="presOf" srcId="{E3A0F877-6567-429B-82C7-D5665FF88D4B}" destId="{D80617D1-60DC-1040-A36C-48ED58ED6C1C}" srcOrd="0" destOrd="1" presId="urn:microsoft.com/office/officeart/2005/8/layout/list1"/>
+    <dgm:cxn modelId="{2FFD7FF3-BFD9-E646-AF8D-8C308AB44D2B}" type="presOf" srcId="{D88C196D-B30B-4CC2-80C6-32F0F5BC3262}" destId="{41522AB1-7458-3C47-87D5-576EF4F9F38D}" srcOrd="0" destOrd="0" presId="urn:microsoft.com/office/officeart/2005/8/layout/list1"/>
+    <dgm:cxn modelId="{41775441-F912-7741-B7C9-163184C96BA9}" type="presParOf" srcId="{93B59F48-78E9-D747-8902-465CAE3A7319}" destId="{4CD7CE3E-B9C3-6248-B49A-F64350909E7F}" srcOrd="0" destOrd="0" presId="urn:microsoft.com/office/officeart/2005/8/layout/list1"/>
+    <dgm:cxn modelId="{2BA1B8C5-9BBC-764F-9D23-8B2273E8929D}" type="presParOf" srcId="{4CD7CE3E-B9C3-6248-B49A-F64350909E7F}" destId="{C989ED48-6563-754D-A265-F07C1CC7B64A}" srcOrd="0" destOrd="0" presId="urn:microsoft.com/office/officeart/2005/8/layout/list1"/>
+    <dgm:cxn modelId="{F1D61AF4-EA3F-2140-B99D-98E5E426B397}" type="presParOf" srcId="{4CD7CE3E-B9C3-6248-B49A-F64350909E7F}" destId="{36351F04-5643-C048-912A-492A3DA3574F}" srcOrd="1" destOrd="0" presId="urn:microsoft.com/office/officeart/2005/8/layout/list1"/>
+    <dgm:cxn modelId="{ED0AE2F7-353F-704D-99B5-4D914C73F76B}" type="presParOf" srcId="{93B59F48-78E9-D747-8902-465CAE3A7319}" destId="{75E76A8A-1AAC-5D4D-8CB0-4E20818226B2}" srcOrd="1" destOrd="0" presId="urn:microsoft.com/office/officeart/2005/8/layout/list1"/>
+    <dgm:cxn modelId="{16CF3458-A8DA-2F4B-A811-578182D0C1F5}" type="presParOf" srcId="{93B59F48-78E9-D747-8902-465CAE3A7319}" destId="{D80617D1-60DC-1040-A36C-48ED58ED6C1C}" srcOrd="2" destOrd="0" presId="urn:microsoft.com/office/officeart/2005/8/layout/list1"/>
+    <dgm:cxn modelId="{7D1BCFD4-C253-5440-8382-D93809B94DB5}" type="presParOf" srcId="{93B59F48-78E9-D747-8902-465CAE3A7319}" destId="{F54F31C9-BB36-C543-A57C-F4FB90A34016}" srcOrd="3" destOrd="0" presId="urn:microsoft.com/office/officeart/2005/8/layout/list1"/>
+    <dgm:cxn modelId="{815D29E2-4B85-924E-9EEA-951E3E5C6CD4}" type="presParOf" srcId="{93B59F48-78E9-D747-8902-465CAE3A7319}" destId="{5F59F8A0-5CA0-1246-86C1-3EDC709EACF3}" srcOrd="4" destOrd="0" presId="urn:microsoft.com/office/officeart/2005/8/layout/list1"/>
+    <dgm:cxn modelId="{C03CEE07-DF0F-AC4B-9F5E-2CB9D89CED3F}" type="presParOf" srcId="{5F59F8A0-5CA0-1246-86C1-3EDC709EACF3}" destId="{41522AB1-7458-3C47-87D5-576EF4F9F38D}" srcOrd="0" destOrd="0" presId="urn:microsoft.com/office/officeart/2005/8/layout/list1"/>
+    <dgm:cxn modelId="{22AD03F6-129D-B64D-8F17-498AFD0F0474}" type="presParOf" srcId="{5F59F8A0-5CA0-1246-86C1-3EDC709EACF3}" destId="{B73FA951-D824-4D40-B473-BFB76760C992}" srcOrd="1" destOrd="0" presId="urn:microsoft.com/office/officeart/2005/8/layout/list1"/>
+    <dgm:cxn modelId="{A1F2000B-40A0-EB4E-AAC1-0C9704BF5514}" type="presParOf" srcId="{93B59F48-78E9-D747-8902-465CAE3A7319}" destId="{EC4656EC-4A67-E34C-969D-0C6E360CEAE6}" srcOrd="5" destOrd="0" presId="urn:microsoft.com/office/officeart/2005/8/layout/list1"/>
+    <dgm:cxn modelId="{2F7A60FA-9F2E-F543-98A4-59CB1F71BD54}" type="presParOf" srcId="{93B59F48-78E9-D747-8902-465CAE3A7319}" destId="{61BC650E-3243-AC4B-9989-503314384114}" srcOrd="6" destOrd="0" presId="urn:microsoft.com/office/officeart/2005/8/layout/list1"/>
+    <dgm:cxn modelId="{8E3C4E74-569C-844B-82DC-E995BDAE19DA}" type="presParOf" srcId="{93B59F48-78E9-D747-8902-465CAE3A7319}" destId="{9B701430-0312-5E4A-8A8D-AED7A71D7070}" srcOrd="7" destOrd="0" presId="urn:microsoft.com/office/officeart/2005/8/layout/list1"/>
+    <dgm:cxn modelId="{09D536CE-8D28-1E4A-9122-1B7AF801F2B9}" type="presParOf" srcId="{93B59F48-78E9-D747-8902-465CAE3A7319}" destId="{2D6F5CAA-C3DB-A749-8CA0-DAA3C6B3CABD}" srcOrd="8" destOrd="0" presId="urn:microsoft.com/office/officeart/2005/8/layout/list1"/>
+    <dgm:cxn modelId="{2BB2018C-D58E-FC49-B7AC-1591B35D7AFD}" type="presParOf" srcId="{2D6F5CAA-C3DB-A749-8CA0-DAA3C6B3CABD}" destId="{A53A61BB-59DA-824C-BBCF-AC8C8821053D}" srcOrd="0" destOrd="0" presId="urn:microsoft.com/office/officeart/2005/8/layout/list1"/>
+    <dgm:cxn modelId="{C9148FA3-F673-B842-B1A8-8DF9E598B0F1}" type="presParOf" srcId="{2D6F5CAA-C3DB-A749-8CA0-DAA3C6B3CABD}" destId="{02E77457-D627-7149-9ECB-432EAD8F237B}" srcOrd="1" destOrd="0" presId="urn:microsoft.com/office/officeart/2005/8/layout/list1"/>
+    <dgm:cxn modelId="{497A5DD9-A228-494C-9F55-A00AC0D18216}" type="presParOf" srcId="{93B59F48-78E9-D747-8902-465CAE3A7319}" destId="{6C3CECF6-CCEB-6E43-96A1-EC4F810FD6F3}" srcOrd="9" destOrd="0" presId="urn:microsoft.com/office/officeart/2005/8/layout/list1"/>
+    <dgm:cxn modelId="{1BC19E9A-DF54-2D45-903D-8E3DBC9808BE}" type="presParOf" srcId="{93B59F48-78E9-D747-8902-465CAE3A7319}" destId="{B2720DD1-2B63-A84D-BA7A-A4B7224D7020}" srcOrd="10" destOrd="0" presId="urn:microsoft.com/office/officeart/2005/8/layout/list1"/>
   </dgm:cxnLst>
   <dgm:bg/>
   <dgm:whole/>
@@ -7571,15 +7677,15 @@
       <dsp:cNvGrpSpPr/>
     </dsp:nvGrpSpPr>
     <dsp:grpSpPr/>
-    <dsp:sp modelId="{61BC650E-3243-AC4B-9989-503314384114}">
+    <dsp:sp modelId="{D80617D1-60DC-1040-A36C-48ED58ED6C1C}">
       <dsp:nvSpPr>
         <dsp:cNvPr id="0" name=""/>
         <dsp:cNvSpPr/>
       </dsp:nvSpPr>
       <dsp:spPr>
         <a:xfrm>
-          <a:off x="0" y="540337"/>
-          <a:ext cx="7168914" cy="1212749"/>
+          <a:off x="0" y="572082"/>
+          <a:ext cx="7465870" cy="1937250"/>
         </a:xfrm>
         <a:prstGeom prst="rect">
           <a:avLst/>
@@ -7619,12 +7725,27 @@
         <a:fontRef idx="minor"/>
       </dsp:style>
       <dsp:txBody>
-        <a:bodyPr spcFirstLastPara="0" vert="horz" wrap="square" lIns="556387" tIns="291592" rIns="556387" bIns="99568" numCol="1" spcCol="1270" anchor="t" anchorCtr="0">
+        <a:bodyPr spcFirstLastPara="0" vert="horz" wrap="square" lIns="579434" tIns="312420" rIns="579434" bIns="106680" numCol="1" spcCol="1270" anchor="t" anchorCtr="0">
           <a:noAutofit/>
         </a:bodyPr>
         <a:lstStyle/>
         <a:p>
-          <a:pPr marL="114300" lvl="1" indent="-114300" algn="l" defTabSz="622300">
+          <a:pPr marL="114300" lvl="1" indent="-114300" algn="l" defTabSz="666750">
+            <a:lnSpc>
+              <a:spcPct val="90000"/>
+            </a:lnSpc>
+            <a:spcBef>
+              <a:spcPct val="0"/>
+            </a:spcBef>
+            <a:spcAft>
+              <a:spcPct val="15000"/>
+            </a:spcAft>
+            <a:buChar char="•"/>
+          </a:pPr>
+          <a:endParaRPr lang="en-US" sz="1500" kern="1200" dirty="0"/>
+        </a:p>
+        <a:p>
+          <a:pPr marL="114300" lvl="1" indent="-114300" algn="l" defTabSz="666750">
             <a:lnSpc>
               <a:spcPct val="90000"/>
             </a:lnSpc>
@@ -7637,12 +7758,21 @@
             <a:buChar char="•"/>
           </a:pPr>
           <a:r>
-            <a:rPr lang="en-US" sz="1400" kern="1200" dirty="0"/>
-            <a:t>“Getting very comfortable with git, testing, and automatic checks...”</a:t>
+            <a:rPr lang="en-AU" sz="1500" kern="1200" dirty="0"/>
+            <a:t>“</a:t>
           </a:r>
+          <a:r>
+            <a:rPr lang="en-AU" sz="1500" i="1" kern="1200" dirty="0"/>
+            <a:t>it was nice to do anything with the new topic in the seminars. Then, with foundations laid, it was easy to self-learn and go deeper</a:t>
+          </a:r>
+          <a:r>
+            <a:rPr lang="en-AU" sz="1500" kern="1200" dirty="0"/>
+            <a:t>”</a:t>
+          </a:r>
+          <a:endParaRPr lang="en-US" sz="1500" kern="1200" dirty="0"/>
         </a:p>
         <a:p>
-          <a:pPr marL="114300" lvl="1" indent="-114300" algn="l" defTabSz="622300">
+          <a:pPr marL="114300" lvl="1" indent="-114300" algn="l" defTabSz="666750">
             <a:lnSpc>
               <a:spcPct val="90000"/>
             </a:lnSpc>
@@ -7654,10 +7784,10 @@
             </a:spcAft>
             <a:buChar char="•"/>
           </a:pPr>
-          <a:endParaRPr lang="en-US" sz="1400" kern="1200" dirty="0"/>
+          <a:endParaRPr lang="en-US" sz="1500" kern="1200" dirty="0"/>
         </a:p>
         <a:p>
-          <a:pPr marL="114300" lvl="1" indent="-114300" algn="l" defTabSz="622300">
+          <a:pPr marL="114300" lvl="1" indent="-114300" algn="l" defTabSz="666750">
             <a:lnSpc>
               <a:spcPct val="90000"/>
             </a:lnSpc>
@@ -7670,25 +7800,34 @@
             <a:buChar char="•"/>
           </a:pPr>
           <a:r>
-            <a:rPr lang="en-US" sz="1400" kern="1200" dirty="0"/>
-            <a:t>“I actually had a question about GitHub actions in one of my job interviews...”</a:t>
+            <a:rPr lang="en-AU" sz="1500" kern="1200" dirty="0"/>
+            <a:t>“</a:t>
           </a:r>
+          <a:r>
+            <a:rPr lang="en-AU" sz="1500" i="1" kern="1200" dirty="0"/>
+            <a:t>[…] learning about GitHub actions was definitely useful, not only in the practical sense but also in terms of better understanding […] during development</a:t>
+          </a:r>
+          <a:r>
+            <a:rPr lang="en-AU" sz="1500" kern="1200" dirty="0"/>
+            <a:t>”</a:t>
+          </a:r>
+          <a:endParaRPr lang="en-US" sz="1500" kern="1200" dirty="0"/>
         </a:p>
       </dsp:txBody>
       <dsp:txXfrm>
-        <a:off x="0" y="540337"/>
-        <a:ext cx="7168914" cy="1212749"/>
+        <a:off x="0" y="572082"/>
+        <a:ext cx="7465870" cy="1937250"/>
       </dsp:txXfrm>
     </dsp:sp>
-    <dsp:sp modelId="{B73FA951-D824-4D40-B473-BFB76760C992}">
+    <dsp:sp modelId="{36351F04-5643-C048-912A-492A3DA3574F}">
       <dsp:nvSpPr>
         <dsp:cNvPr id="0" name=""/>
         <dsp:cNvSpPr/>
       </dsp:nvSpPr>
       <dsp:spPr>
         <a:xfrm>
-          <a:off x="358445" y="333697"/>
-          <a:ext cx="5018239" cy="413279"/>
+          <a:off x="373293" y="350682"/>
+          <a:ext cx="5226109" cy="442800"/>
         </a:xfrm>
         <a:prstGeom prst="roundRect">
           <a:avLst/>
@@ -7744,12 +7883,12 @@
         </a:fontRef>
       </dsp:style>
       <dsp:txBody>
-        <a:bodyPr spcFirstLastPara="0" vert="horz" wrap="square" lIns="189678" tIns="0" rIns="189678" bIns="0" numCol="1" spcCol="1270" anchor="ctr" anchorCtr="0">
+        <a:bodyPr spcFirstLastPara="0" vert="horz" wrap="square" lIns="197534" tIns="0" rIns="197534" bIns="0" numCol="1" spcCol="1270" anchor="ctr" anchorCtr="0">
           <a:noAutofit/>
         </a:bodyPr>
         <a:lstStyle/>
         <a:p>
-          <a:pPr marL="0" lvl="0" indent="0" algn="l" defTabSz="622300">
+          <a:pPr marL="0" lvl="0" indent="0" algn="l" defTabSz="666750">
             <a:lnSpc>
               <a:spcPct val="90000"/>
             </a:lnSpc>
@@ -7762,14 +7901,14 @@
             <a:buNone/>
           </a:pPr>
           <a:r>
-            <a:rPr lang="en-GB" sz="1400" b="1" kern="1200" dirty="0">
+            <a:rPr lang="en-GB" sz="1500" b="1" kern="1200" dirty="0">
               <a:solidFill>
                 <a:schemeClr val="accent1"/>
               </a:solidFill>
             </a:rPr>
-            <a:t>Prepared for industry</a:t>
+            <a:t>Broad rather than deep</a:t>
           </a:r>
-          <a:endParaRPr lang="en-US" sz="1400" kern="1200" dirty="0">
+          <a:endParaRPr lang="en-US" sz="1500" kern="1200" dirty="0">
             <a:solidFill>
               <a:schemeClr val="accent1"/>
             </a:solidFill>
@@ -7777,19 +7916,19 @@
         </a:p>
       </dsp:txBody>
       <dsp:txXfrm>
-        <a:off x="378620" y="353872"/>
-        <a:ext cx="4977889" cy="372929"/>
+        <a:off x="394909" y="372298"/>
+        <a:ext cx="5182877" cy="399568"/>
       </dsp:txXfrm>
     </dsp:sp>
-    <dsp:sp modelId="{D80617D1-60DC-1040-A36C-48ED58ED6C1C}">
+    <dsp:sp modelId="{61BC650E-3243-AC4B-9989-503314384114}">
       <dsp:nvSpPr>
         <dsp:cNvPr id="0" name=""/>
         <dsp:cNvSpPr/>
       </dsp:nvSpPr>
       <dsp:spPr>
         <a:xfrm>
-          <a:off x="0" y="2035327"/>
-          <a:ext cx="7168914" cy="1587600"/>
+          <a:off x="0" y="2811732"/>
+          <a:ext cx="7465870" cy="1559250"/>
         </a:xfrm>
         <a:prstGeom prst="rect">
           <a:avLst/>
@@ -7829,12 +7968,27 @@
         <a:fontRef idx="minor"/>
       </dsp:style>
       <dsp:txBody>
-        <a:bodyPr spcFirstLastPara="0" vert="horz" wrap="square" lIns="556387" tIns="291592" rIns="556387" bIns="99568" numCol="1" spcCol="1270" anchor="t" anchorCtr="0">
+        <a:bodyPr spcFirstLastPara="0" vert="horz" wrap="square" lIns="579434" tIns="312420" rIns="579434" bIns="106680" numCol="1" spcCol="1270" anchor="t" anchorCtr="0">
           <a:noAutofit/>
         </a:bodyPr>
         <a:lstStyle/>
         <a:p>
-          <a:pPr marL="114300" lvl="1" indent="-114300" algn="l" defTabSz="622300">
+          <a:pPr marL="114300" lvl="1" indent="-114300" algn="l" defTabSz="666750">
+            <a:lnSpc>
+              <a:spcPct val="90000"/>
+            </a:lnSpc>
+            <a:spcBef>
+              <a:spcPct val="0"/>
+            </a:spcBef>
+            <a:spcAft>
+              <a:spcPct val="15000"/>
+            </a:spcAft>
+            <a:buChar char="•"/>
+          </a:pPr>
+          <a:endParaRPr lang="en-US" sz="1500" kern="1200" dirty="0"/>
+        </a:p>
+        <a:p>
+          <a:pPr marL="114300" lvl="1" indent="-114300" algn="l" defTabSz="666750">
             <a:lnSpc>
               <a:spcPct val="90000"/>
             </a:lnSpc>
@@ -7847,21 +8001,12 @@
             <a:buChar char="•"/>
           </a:pPr>
           <a:r>
-            <a:rPr lang="en-AU" sz="1400" kern="1200" dirty="0"/>
-            <a:t>“</a:t>
+            <a:rPr lang="en-US" sz="1500" kern="1200" dirty="0"/>
+            <a:t>“Getting very comfortable with git, testing, and automatic checks...”</a:t>
           </a:r>
-          <a:r>
-            <a:rPr lang="en-AU" sz="1400" i="1" kern="1200" dirty="0"/>
-            <a:t>it was nice to do anything with the new topic in the seminars. Then, with foundations laid, it was easy to self-learn and go deeper</a:t>
-          </a:r>
-          <a:r>
-            <a:rPr lang="en-AU" sz="1400" kern="1200" dirty="0"/>
-            <a:t>”</a:t>
-          </a:r>
-          <a:endParaRPr lang="en-US" sz="1400" kern="1200" dirty="0"/>
         </a:p>
         <a:p>
-          <a:pPr marL="114300" lvl="1" indent="-114300" algn="l" defTabSz="622300">
+          <a:pPr marL="114300" lvl="1" indent="-114300" algn="l" defTabSz="666750">
             <a:lnSpc>
               <a:spcPct val="90000"/>
             </a:lnSpc>
@@ -7873,10 +8018,10 @@
             </a:spcAft>
             <a:buChar char="•"/>
           </a:pPr>
-          <a:endParaRPr lang="en-US" sz="1400" kern="1200" dirty="0"/>
+          <a:endParaRPr lang="en-US" sz="1500" kern="1200" dirty="0"/>
         </a:p>
         <a:p>
-          <a:pPr marL="114300" lvl="1" indent="-114300" algn="l" defTabSz="622300">
+          <a:pPr marL="114300" lvl="1" indent="-114300" algn="l" defTabSz="666750">
             <a:lnSpc>
               <a:spcPct val="90000"/>
             </a:lnSpc>
@@ -7889,34 +8034,25 @@
             <a:buChar char="•"/>
           </a:pPr>
           <a:r>
-            <a:rPr lang="en-AU" sz="1400" kern="1200" dirty="0"/>
-            <a:t>“</a:t>
+            <a:rPr lang="en-US" sz="1500" kern="1200" dirty="0"/>
+            <a:t>“I actually had a question about GitHub actions in one of my job interviews...”</a:t>
           </a:r>
-          <a:r>
-            <a:rPr lang="en-AU" sz="1400" i="1" kern="1200" dirty="0"/>
-            <a:t>[…] learning about GitHub actions was definitely useful, not only in the practical sense but also in terms of better understanding […] during development</a:t>
-          </a:r>
-          <a:r>
-            <a:rPr lang="en-AU" sz="1400" kern="1200" dirty="0"/>
-            <a:t>”</a:t>
-          </a:r>
-          <a:endParaRPr lang="en-US" sz="1400" kern="1200" dirty="0"/>
         </a:p>
       </dsp:txBody>
       <dsp:txXfrm>
-        <a:off x="0" y="2035327"/>
-        <a:ext cx="7168914" cy="1587600"/>
+        <a:off x="0" y="2811732"/>
+        <a:ext cx="7465870" cy="1559250"/>
       </dsp:txXfrm>
     </dsp:sp>
-    <dsp:sp modelId="{36351F04-5643-C048-912A-492A3DA3574F}">
+    <dsp:sp modelId="{B73FA951-D824-4D40-B473-BFB76760C992}">
       <dsp:nvSpPr>
         <dsp:cNvPr id="0" name=""/>
         <dsp:cNvSpPr/>
       </dsp:nvSpPr>
       <dsp:spPr>
         <a:xfrm>
-          <a:off x="358445" y="1828687"/>
-          <a:ext cx="5018239" cy="413279"/>
+          <a:off x="373293" y="2590332"/>
+          <a:ext cx="5226109" cy="442800"/>
         </a:xfrm>
         <a:prstGeom prst="roundRect">
           <a:avLst/>
@@ -7972,12 +8108,12 @@
         </a:fontRef>
       </dsp:style>
       <dsp:txBody>
-        <a:bodyPr spcFirstLastPara="0" vert="horz" wrap="square" lIns="189678" tIns="0" rIns="189678" bIns="0" numCol="1" spcCol="1270" anchor="ctr" anchorCtr="0">
+        <a:bodyPr spcFirstLastPara="0" vert="horz" wrap="square" lIns="197534" tIns="0" rIns="197534" bIns="0" numCol="1" spcCol="1270" anchor="ctr" anchorCtr="0">
           <a:noAutofit/>
         </a:bodyPr>
         <a:lstStyle/>
         <a:p>
-          <a:pPr marL="0" lvl="0" indent="0" algn="l" defTabSz="622300">
+          <a:pPr marL="0" lvl="0" indent="0" algn="l" defTabSz="666750">
             <a:lnSpc>
               <a:spcPct val="90000"/>
             </a:lnSpc>
@@ -7990,14 +8126,14 @@
             <a:buNone/>
           </a:pPr>
           <a:r>
-            <a:rPr lang="en-GB" sz="1400" b="1" kern="1200" dirty="0">
+            <a:rPr lang="en-GB" sz="1500" b="1" kern="1200" dirty="0">
               <a:solidFill>
                 <a:schemeClr val="accent1"/>
               </a:solidFill>
             </a:rPr>
-            <a:t>Broad rather than deep</a:t>
+            <a:t>Prepared for industry</a:t>
           </a:r>
-          <a:endParaRPr lang="en-US" sz="1400" kern="1200" dirty="0">
+          <a:endParaRPr lang="en-US" sz="1500" kern="1200" dirty="0">
             <a:solidFill>
               <a:schemeClr val="accent1"/>
             </a:solidFill>
@@ -8005,8 +8141,8 @@
         </a:p>
       </dsp:txBody>
       <dsp:txXfrm>
-        <a:off x="378620" y="1848862"/>
-        <a:ext cx="4977889" cy="372929"/>
+        <a:off x="394909" y="2611948"/>
+        <a:ext cx="5182877" cy="399568"/>
       </dsp:txXfrm>
     </dsp:sp>
     <dsp:sp modelId="{B2720DD1-2B63-A84D-BA7A-A4B7224D7020}">
@@ -8016,8 +8152,8 @@
       </dsp:nvSpPr>
       <dsp:spPr>
         <a:xfrm>
-          <a:off x="0" y="3905167"/>
-          <a:ext cx="7168914" cy="584325"/>
+          <a:off x="0" y="4673382"/>
+          <a:ext cx="7465870" cy="874125"/>
         </a:xfrm>
         <a:prstGeom prst="rect">
           <a:avLst/>
@@ -8057,12 +8193,27 @@
         <a:fontRef idx="minor"/>
       </dsp:style>
       <dsp:txBody>
-        <a:bodyPr spcFirstLastPara="0" vert="horz" wrap="square" lIns="556387" tIns="291592" rIns="556387" bIns="99568" numCol="1" spcCol="1270" anchor="t" anchorCtr="0">
+        <a:bodyPr spcFirstLastPara="0" vert="horz" wrap="square" lIns="579434" tIns="312420" rIns="579434" bIns="106680" numCol="1" spcCol="1270" anchor="t" anchorCtr="0">
           <a:noAutofit/>
         </a:bodyPr>
         <a:lstStyle/>
         <a:p>
-          <a:pPr marL="114300" lvl="1" indent="-114300" algn="l" defTabSz="622300">
+          <a:pPr marL="114300" lvl="1" indent="-114300" algn="l" defTabSz="666750">
+            <a:lnSpc>
+              <a:spcPct val="90000"/>
+            </a:lnSpc>
+            <a:spcBef>
+              <a:spcPct val="0"/>
+            </a:spcBef>
+            <a:spcAft>
+              <a:spcPct val="15000"/>
+            </a:spcAft>
+            <a:buChar char="•"/>
+          </a:pPr>
+          <a:endParaRPr lang="en-US" sz="1500" kern="1200" dirty="0"/>
+        </a:p>
+        <a:p>
+          <a:pPr marL="114300" lvl="1" indent="-114300" algn="l" defTabSz="666750">
             <a:lnSpc>
               <a:spcPct val="90000"/>
             </a:lnSpc>
@@ -8075,23 +8226,23 @@
             <a:buChar char="•"/>
           </a:pPr>
           <a:r>
-            <a:rPr lang="en-AU" sz="1400" kern="1200"/>
+            <a:rPr lang="en-AU" sz="1500" kern="1200" dirty="0"/>
             <a:t>“</a:t>
           </a:r>
           <a:r>
-            <a:rPr lang="en-AU" sz="1400" i="1" kern="1200"/>
+            <a:rPr lang="en-AU" sz="1500" i="1" kern="1200" dirty="0"/>
             <a:t>I still don't really know how to use Docker</a:t>
           </a:r>
           <a:r>
-            <a:rPr lang="en-AU" sz="1400" kern="1200"/>
+            <a:rPr lang="en-AU" sz="1500" kern="1200" dirty="0"/>
             <a:t>”</a:t>
           </a:r>
-          <a:endParaRPr lang="en-US" sz="1400" kern="1200"/>
+          <a:endParaRPr lang="en-US" sz="1500" kern="1200" dirty="0"/>
         </a:p>
       </dsp:txBody>
       <dsp:txXfrm>
-        <a:off x="0" y="3905167"/>
-        <a:ext cx="7168914" cy="584325"/>
+        <a:off x="0" y="4673382"/>
+        <a:ext cx="7465870" cy="874125"/>
       </dsp:txXfrm>
     </dsp:sp>
     <dsp:sp modelId="{02E77457-D627-7149-9ECB-432EAD8F237B}">
@@ -8101,8 +8252,8 @@
       </dsp:nvSpPr>
       <dsp:spPr>
         <a:xfrm>
-          <a:off x="358445" y="3698527"/>
-          <a:ext cx="5018239" cy="413279"/>
+          <a:off x="373293" y="4451982"/>
+          <a:ext cx="5226109" cy="442800"/>
         </a:xfrm>
         <a:prstGeom prst="roundRect">
           <a:avLst/>
@@ -8158,12 +8309,12 @@
         </a:fontRef>
       </dsp:style>
       <dsp:txBody>
-        <a:bodyPr spcFirstLastPara="0" vert="horz" wrap="square" lIns="189678" tIns="0" rIns="189678" bIns="0" numCol="1" spcCol="1270" anchor="ctr" anchorCtr="0">
+        <a:bodyPr spcFirstLastPara="0" vert="horz" wrap="square" lIns="197534" tIns="0" rIns="197534" bIns="0" numCol="1" spcCol="1270" anchor="ctr" anchorCtr="0">
           <a:noAutofit/>
         </a:bodyPr>
         <a:lstStyle/>
         <a:p>
-          <a:pPr marL="0" lvl="0" indent="0" algn="l" defTabSz="622300">
+          <a:pPr marL="0" lvl="0" indent="0" algn="l" defTabSz="666750">
             <a:lnSpc>
               <a:spcPct val="90000"/>
             </a:lnSpc>
@@ -8176,14 +8327,14 @@
             <a:buNone/>
           </a:pPr>
           <a:r>
-            <a:rPr lang="en-GB" sz="1400" b="1" kern="1200" dirty="0">
+            <a:rPr lang="en-GB" sz="1500" b="1" kern="1200" dirty="0">
               <a:solidFill>
                 <a:schemeClr val="accent1"/>
               </a:solidFill>
             </a:rPr>
             <a:t>Still to be improved how to present the harder topics</a:t>
           </a:r>
-          <a:endParaRPr lang="en-US" sz="1400" kern="1200" dirty="0">
+          <a:endParaRPr lang="en-US" sz="1500" kern="1200" dirty="0">
             <a:solidFill>
               <a:schemeClr val="accent1"/>
             </a:solidFill>
@@ -8191,8 +8342,8 @@
         </a:p>
       </dsp:txBody>
       <dsp:txXfrm>
-        <a:off x="378620" y="3718702"/>
-        <a:ext cx="4977889" cy="372929"/>
+        <a:off x="394909" y="4473598"/>
+        <a:ext cx="5182877" cy="399568"/>
       </dsp:txXfrm>
     </dsp:sp>
   </dsp:spTree>
@@ -16670,6 +16821,105 @@
             <a:spLocks noGrp="1" noRot="1" noChangeAspect="1"/>
           </p:cNvSpPr>
           <p:nvPr>
+            <p:ph type="sldImg"/>
+          </p:nvPr>
+        </p:nvSpPr>
+        <p:spPr/>
+      </p:sp>
+      <p:sp>
+        <p:nvSpPr>
+          <p:cNvPr id="3" name="Notes Placeholder 2"/>
+          <p:cNvSpPr>
+            <a:spLocks noGrp="1"/>
+          </p:cNvSpPr>
+          <p:nvPr>
+            <p:ph type="body" idx="1"/>
+          </p:nvPr>
+        </p:nvSpPr>
+        <p:spPr/>
+        <p:txBody>
+          <a:bodyPr/>
+          <a:lstStyle/>
+          <a:p>
+            <a:r>
+              <a:rPr lang="en-US" dirty="0"/>
+              <a:t>Minimizing the time between starting to build something and delivering it.</a:t>
+            </a:r>
+          </a:p>
+          <a:p>
+            <a:r>
+              <a:rPr lang="en-US" dirty="0"/>
+              <a:t>So minimizing the time to teach/learn something</a:t>
+            </a:r>
+          </a:p>
+          <a:p>
+            <a:r>
+              <a:rPr lang="en-US" dirty="0"/>
+              <a:t>Without having to build up all the programming </a:t>
+            </a:r>
+          </a:p>
+        </p:txBody>
+      </p:sp>
+      <p:sp>
+        <p:nvSpPr>
+          <p:cNvPr id="4" name="Slide Number Placeholder 3"/>
+          <p:cNvSpPr>
+            <a:spLocks noGrp="1"/>
+          </p:cNvSpPr>
+          <p:nvPr>
+            <p:ph type="sldNum" sz="quarter" idx="5"/>
+          </p:nvPr>
+        </p:nvSpPr>
+        <p:spPr/>
+        <p:txBody>
+          <a:bodyPr/>
+          <a:lstStyle/>
+          <a:p>
+            <a:fld id="{9CE8E038-239B-E346-A2D4-701757325973}" type="slidenum">
+              <a:rPr lang="en-US" smtClean="0"/>
+              <a:t>10</a:t>
+            </a:fld>
+            <a:endParaRPr lang="en-US"/>
+          </a:p>
+        </p:txBody>
+      </p:sp>
+    </p:spTree>
+    <p:extLst>
+      <p:ext uri="{BB962C8B-B14F-4D97-AF65-F5344CB8AC3E}">
+        <p14:creationId xmlns:p14="http://schemas.microsoft.com/office/powerpoint/2010/main" val="1240588087"/>
+      </p:ext>
+    </p:extLst>
+  </p:cSld>
+  <p:clrMapOvr>
+    <a:masterClrMapping/>
+  </p:clrMapOvr>
+</p:notes>
+</file>
+
+<file path=ppt/notesSlides/notesSlide11.xml><?xml version="1.0" encoding="utf-8"?>
+<p:notes xmlns:a="http://schemas.openxmlformats.org/drawingml/2006/main" xmlns:r="http://schemas.openxmlformats.org/officeDocument/2006/relationships" xmlns:p="http://schemas.openxmlformats.org/presentationml/2006/main">
+  <p:cSld>
+    <p:spTree>
+      <p:nvGrpSpPr>
+        <p:cNvPr id="1" name=""/>
+        <p:cNvGrpSpPr/>
+        <p:nvPr/>
+      </p:nvGrpSpPr>
+      <p:grpSpPr>
+        <a:xfrm>
+          <a:off x="0" y="0"/>
+          <a:ext cx="0" cy="0"/>
+          <a:chOff x="0" y="0"/>
+          <a:chExt cx="0" cy="0"/>
+        </a:xfrm>
+      </p:grpSpPr>
+      <p:sp>
+        <p:nvSpPr>
+          <p:cNvPr id="2" name="Slide Image Placeholder 1"/>
+          <p:cNvSpPr>
+            <a:spLocks noGrp="1" noRot="1" noChangeAspect="1"/>
+          </p:cNvSpPr>
+          <p:nvPr>
             <p:ph type="sldImg" idx="2"/>
           </p:nvPr>
         </p:nvSpPr>
@@ -16742,7 +16992,7 @@
 </p:notes>
 </file>
 
-<file path=ppt/notesSlides/notesSlide11.xml><?xml version="1.0" encoding="utf-8"?>
+<file path=ppt/notesSlides/notesSlide12.xml><?xml version="1.0" encoding="utf-8"?>
 <p:notes xmlns:a="http://schemas.openxmlformats.org/drawingml/2006/main" xmlns:r="http://schemas.openxmlformats.org/officeDocument/2006/relationships" xmlns:p="http://schemas.openxmlformats.org/presentationml/2006/main">
   <p:cSld>
     <p:spTree>
@@ -16882,7 +17132,7 @@
 </p:notes>
 </file>
 
-<file path=ppt/notesSlides/notesSlide12.xml><?xml version="1.0" encoding="utf-8"?>
+<file path=ppt/notesSlides/notesSlide13.xml><?xml version="1.0" encoding="utf-8"?>
 <p:notes xmlns:a="http://schemas.openxmlformats.org/drawingml/2006/main" xmlns:r="http://schemas.openxmlformats.org/officeDocument/2006/relationships" xmlns:p="http://schemas.openxmlformats.org/presentationml/2006/main">
   <p:cSld>
     <p:spTree>
@@ -16984,7 +17234,7 @@
 </p:notes>
 </file>
 
-<file path=ppt/notesSlides/notesSlide13.xml><?xml version="1.0" encoding="utf-8"?>
+<file path=ppt/notesSlides/notesSlide14.xml><?xml version="1.0" encoding="utf-8"?>
 <p:notes xmlns:a="http://schemas.openxmlformats.org/drawingml/2006/main" xmlns:r="http://schemas.openxmlformats.org/officeDocument/2006/relationships" xmlns:p="http://schemas.openxmlformats.org/presentationml/2006/main">
   <p:cSld>
     <p:spTree>
@@ -17059,7 +17309,7 @@
 </p:notes>
 </file>
 
-<file path=ppt/notesSlides/notesSlide14.xml><?xml version="1.0" encoding="utf-8"?>
+<file path=ppt/notesSlides/notesSlide15.xml><?xml version="1.0" encoding="utf-8"?>
 <p:notes xmlns:a="http://schemas.openxmlformats.org/drawingml/2006/main" xmlns:r="http://schemas.openxmlformats.org/officeDocument/2006/relationships" xmlns:p="http://schemas.openxmlformats.org/presentationml/2006/main">
   <p:cSld>
     <p:spTree>
@@ -17158,7 +17408,7 @@
 </p:notes>
 </file>
 
-<file path=ppt/notesSlides/notesSlide15.xml><?xml version="1.0" encoding="utf-8"?>
+<file path=ppt/notesSlides/notesSlide16.xml><?xml version="1.0" encoding="utf-8"?>
 <p:notes xmlns:a="http://schemas.openxmlformats.org/drawingml/2006/main" xmlns:r="http://schemas.openxmlformats.org/officeDocument/2006/relationships" xmlns:p="http://schemas.openxmlformats.org/presentationml/2006/main">
   <p:cSld>
     <p:spTree>
@@ -17325,7 +17575,7 @@
 </p:notes>
 </file>
 
-<file path=ppt/notesSlides/notesSlide16.xml><?xml version="1.0" encoding="utf-8"?>
+<file path=ppt/notesSlides/notesSlide17.xml><?xml version="1.0" encoding="utf-8"?>
 <p:notes xmlns:a="http://schemas.openxmlformats.org/drawingml/2006/main" xmlns:r="http://schemas.openxmlformats.org/officeDocument/2006/relationships" xmlns:p="http://schemas.openxmlformats.org/presentationml/2006/main">
   <p:cSld>
     <p:spTree>
@@ -17426,7 +17676,7 @@
 </p:notes>
 </file>
 
-<file path=ppt/notesSlides/notesSlide17.xml><?xml version="1.0" encoding="utf-8"?>
+<file path=ppt/notesSlides/notesSlide18.xml><?xml version="1.0" encoding="utf-8"?>
 <p:notes xmlns:a="http://schemas.openxmlformats.org/drawingml/2006/main" xmlns:r="http://schemas.openxmlformats.org/officeDocument/2006/relationships" xmlns:p="http://schemas.openxmlformats.org/presentationml/2006/main">
   <p:cSld>
     <p:spTree>
@@ -18029,6 +18279,105 @@
         <p:cNvPr id="1" name="">
           <a:extLst>
             <a:ext uri="{FF2B5EF4-FFF2-40B4-BE49-F238E27FC236}">
+              <a16:creationId xmlns:a16="http://schemas.microsoft.com/office/drawing/2014/main" id="{BDAEAC6A-A5F7-0D77-B20F-8F332348165B}"/>
+            </a:ext>
+          </a:extLst>
+        </p:cNvPr>
+        <p:cNvGrpSpPr/>
+        <p:nvPr/>
+      </p:nvGrpSpPr>
+      <p:grpSpPr>
+        <a:xfrm>
+          <a:off x="0" y="0"/>
+          <a:ext cx="0" cy="0"/>
+          <a:chOff x="0" y="0"/>
+          <a:chExt cx="0" cy="0"/>
+        </a:xfrm>
+      </p:grpSpPr>
+      <p:sp>
+        <p:nvSpPr>
+          <p:cNvPr id="2" name="Slide Image Placeholder 1">
+            <a:extLst>
+              <a:ext uri="{FF2B5EF4-FFF2-40B4-BE49-F238E27FC236}">
+                <a16:creationId xmlns:a16="http://schemas.microsoft.com/office/drawing/2014/main" id="{1439CFB3-056C-29BE-6E9F-D84F05983DE8}"/>
+              </a:ext>
+            </a:extLst>
+          </p:cNvPr>
+          <p:cNvSpPr>
+            <a:spLocks noGrp="1" noRot="1" noChangeAspect="1"/>
+          </p:cNvSpPr>
+          <p:nvPr>
+            <p:ph type="sldImg" idx="2"/>
+          </p:nvPr>
+        </p:nvSpPr>
+        <p:spPr/>
+      </p:sp>
+      <p:sp>
+        <p:nvSpPr>
+          <p:cNvPr id="3" name="Notes Placeholder 2">
+            <a:extLst>
+              <a:ext uri="{FF2B5EF4-FFF2-40B4-BE49-F238E27FC236}">
+                <a16:creationId xmlns:a16="http://schemas.microsoft.com/office/drawing/2014/main" id="{32E25FB6-B330-7713-93A5-6A0C3CBCBA0A}"/>
+              </a:ext>
+            </a:extLst>
+          </p:cNvPr>
+          <p:cNvSpPr>
+            <a:spLocks noGrp="1"/>
+          </p:cNvSpPr>
+          <p:nvPr>
+            <p:ph type="body" sz="quarter" idx="3"/>
+          </p:nvPr>
+        </p:nvSpPr>
+        <p:spPr/>
+        <p:txBody>
+          <a:bodyPr/>
+          <a:lstStyle/>
+          <a:p>
+            <a:r>
+              <a:t>The previous module design focused on C++ in Term 1 and group projects in Term 2. However, this approach faced challenges such as inconsistent learning experiences, lack of support, and limited application of engineering practices.</a:t>
+            </a:r>
+          </a:p>
+        </p:txBody>
+      </p:sp>
+      <p:sp>
+        <p:nvSpPr>
+          <p:cNvPr id="4" name="Slide Number Placeholder 3">
+            <a:extLst>
+              <a:ext uri="{FF2B5EF4-FFF2-40B4-BE49-F238E27FC236}">
+                <a16:creationId xmlns:a16="http://schemas.microsoft.com/office/drawing/2014/main" id="{A3770469-2E79-3AF2-91E8-F55CF284FB63}"/>
+              </a:ext>
+            </a:extLst>
+          </p:cNvPr>
+          <p:cNvSpPr>
+            <a:spLocks noGrp="1"/>
+          </p:cNvSpPr>
+          <p:nvPr>
+            <p:ph type="sldNum" sz="quarter" idx="5"/>
+          </p:nvPr>
+        </p:nvSpPr>
+        <p:spPr/>
+      </p:sp>
+    </p:spTree>
+    <p:extLst>
+      <p:ext uri="{BB962C8B-B14F-4D97-AF65-F5344CB8AC3E}">
+        <p14:creationId xmlns:p14="http://schemas.microsoft.com/office/powerpoint/2010/main" val="4245687669"/>
+      </p:ext>
+    </p:extLst>
+  </p:cSld>
+  <p:clrMapOvr>
+    <a:masterClrMapping/>
+  </p:clrMapOvr>
+</p:notes>
+</file>
+
+<file path=ppt/notesSlides/notesSlide9.xml><?xml version="1.0" encoding="utf-8"?>
+<p:notes xmlns:a="http://schemas.openxmlformats.org/drawingml/2006/main" xmlns:r="http://schemas.openxmlformats.org/officeDocument/2006/relationships" xmlns:p="http://schemas.openxmlformats.org/presentationml/2006/main">
+  <p:cSld>
+    <p:spTree>
+      <p:nvGrpSpPr>
+        <p:cNvPr id="1" name="">
+          <a:extLst>
+            <a:ext uri="{FF2B5EF4-FFF2-40B4-BE49-F238E27FC236}">
               <a16:creationId xmlns:a16="http://schemas.microsoft.com/office/drawing/2014/main" id="{85E35DDA-062A-8755-7196-7686AF1B5CC2}"/>
             </a:ext>
           </a:extLst>
@@ -18111,105 +18460,6 @@
     <p:extLst>
       <p:ext uri="{BB962C8B-B14F-4D97-AF65-F5344CB8AC3E}">
         <p14:creationId xmlns:p14="http://schemas.microsoft.com/office/powerpoint/2010/main" val="232166938"/>
-      </p:ext>
-    </p:extLst>
-  </p:cSld>
-  <p:clrMapOvr>
-    <a:masterClrMapping/>
-  </p:clrMapOvr>
-</p:notes>
-</file>
-
-<file path=ppt/notesSlides/notesSlide9.xml><?xml version="1.0" encoding="utf-8"?>
-<p:notes xmlns:a="http://schemas.openxmlformats.org/drawingml/2006/main" xmlns:r="http://schemas.openxmlformats.org/officeDocument/2006/relationships" xmlns:p="http://schemas.openxmlformats.org/presentationml/2006/main">
-  <p:cSld>
-    <p:spTree>
-      <p:nvGrpSpPr>
-        <p:cNvPr id="1" name=""/>
-        <p:cNvGrpSpPr/>
-        <p:nvPr/>
-      </p:nvGrpSpPr>
-      <p:grpSpPr>
-        <a:xfrm>
-          <a:off x="0" y="0"/>
-          <a:ext cx="0" cy="0"/>
-          <a:chOff x="0" y="0"/>
-          <a:chExt cx="0" cy="0"/>
-        </a:xfrm>
-      </p:grpSpPr>
-      <p:sp>
-        <p:nvSpPr>
-          <p:cNvPr id="2" name="Slide Image Placeholder 1"/>
-          <p:cNvSpPr>
-            <a:spLocks noGrp="1" noRot="1" noChangeAspect="1"/>
-          </p:cNvSpPr>
-          <p:nvPr>
-            <p:ph type="sldImg"/>
-          </p:nvPr>
-        </p:nvSpPr>
-        <p:spPr/>
-      </p:sp>
-      <p:sp>
-        <p:nvSpPr>
-          <p:cNvPr id="3" name="Notes Placeholder 2"/>
-          <p:cNvSpPr>
-            <a:spLocks noGrp="1"/>
-          </p:cNvSpPr>
-          <p:nvPr>
-            <p:ph type="body" idx="1"/>
-          </p:nvPr>
-        </p:nvSpPr>
-        <p:spPr/>
-        <p:txBody>
-          <a:bodyPr/>
-          <a:lstStyle/>
-          <a:p>
-            <a:r>
-              <a:rPr lang="en-US" dirty="0"/>
-              <a:t>Minimizing the time between starting to build something and delivering it.</a:t>
-            </a:r>
-          </a:p>
-          <a:p>
-            <a:r>
-              <a:rPr lang="en-US" dirty="0"/>
-              <a:t>So minimizing the time to teach/learn something</a:t>
-            </a:r>
-          </a:p>
-          <a:p>
-            <a:r>
-              <a:rPr lang="en-US" dirty="0"/>
-              <a:t>Without having to build up all the programming </a:t>
-            </a:r>
-          </a:p>
-        </p:txBody>
-      </p:sp>
-      <p:sp>
-        <p:nvSpPr>
-          <p:cNvPr id="4" name="Slide Number Placeholder 3"/>
-          <p:cNvSpPr>
-            <a:spLocks noGrp="1"/>
-          </p:cNvSpPr>
-          <p:nvPr>
-            <p:ph type="sldNum" sz="quarter" idx="5"/>
-          </p:nvPr>
-        </p:nvSpPr>
-        <p:spPr/>
-        <p:txBody>
-          <a:bodyPr/>
-          <a:lstStyle/>
-          <a:p>
-            <a:fld id="{9CE8E038-239B-E346-A2D4-701757325973}" type="slidenum">
-              <a:rPr lang="en-US" smtClean="0"/>
-              <a:t>9</a:t>
-            </a:fld>
-            <a:endParaRPr lang="en-US"/>
-          </a:p>
-        </p:txBody>
-      </p:sp>
-    </p:spTree>
-    <p:extLst>
-      <p:ext uri="{BB962C8B-B14F-4D97-AF65-F5344CB8AC3E}">
-        <p14:creationId xmlns:p14="http://schemas.microsoft.com/office/powerpoint/2010/main" val="1240588087"/>
       </p:ext>
     </p:extLst>
   </p:cSld>
@@ -24000,8 +24250,12 @@
               <a:t>r</a:t>
             </a:r>
             <a:r>
+              <a:rPr sz="4400" dirty="0" err="1"/>
+              <a:t>eal</a:t>
+            </a:r>
+            <a:r>
               <a:rPr sz="4400" dirty="0"/>
-              <a:t>eal-</a:t>
+              <a:t>-</a:t>
             </a:r>
             <a:r>
               <a:rPr lang="en-GB" sz="4400" dirty="0"/>
@@ -24224,6 +24478,190 @@
 <file path=ppt/slides/slide10.xml><?xml version="1.0" encoding="utf-8"?>
 <p:sld xmlns:a="http://schemas.openxmlformats.org/drawingml/2006/main" xmlns:r="http://schemas.openxmlformats.org/officeDocument/2006/relationships" xmlns:p="http://schemas.openxmlformats.org/presentationml/2006/main">
   <p:cSld>
+    <p:spTree>
+      <p:nvGrpSpPr>
+        <p:cNvPr id="1" name=""/>
+        <p:cNvGrpSpPr/>
+        <p:nvPr/>
+      </p:nvGrpSpPr>
+      <p:grpSpPr>
+        <a:xfrm>
+          <a:off x="0" y="0"/>
+          <a:ext cx="0" cy="0"/>
+          <a:chOff x="0" y="0"/>
+          <a:chExt cx="0" cy="0"/>
+        </a:xfrm>
+      </p:grpSpPr>
+      <p:sp>
+        <p:nvSpPr>
+          <p:cNvPr id="2" name="Title 1">
+            <a:extLst>
+              <a:ext uri="{FF2B5EF4-FFF2-40B4-BE49-F238E27FC236}">
+                <a16:creationId xmlns:a16="http://schemas.microsoft.com/office/drawing/2014/main" id="{7DD33E54-30C2-CBBA-4904-8A298DCC18C2}"/>
+              </a:ext>
+            </a:extLst>
+          </p:cNvPr>
+          <p:cNvSpPr>
+            <a:spLocks noGrp="1"/>
+          </p:cNvSpPr>
+          <p:nvPr>
+            <p:ph type="title"/>
+          </p:nvPr>
+        </p:nvSpPr>
+        <p:spPr/>
+        <p:txBody>
+          <a:bodyPr/>
+          <a:lstStyle/>
+          <a:p>
+            <a:r>
+              <a:rPr lang="en-US" dirty="0"/>
+              <a:t>LEAN METHODOLOGY / APPROACH.</a:t>
+            </a:r>
+          </a:p>
+        </p:txBody>
+      </p:sp>
+      <p:sp>
+        <p:nvSpPr>
+          <p:cNvPr id="4" name="Slide Number Placeholder 3">
+            <a:extLst>
+              <a:ext uri="{FF2B5EF4-FFF2-40B4-BE49-F238E27FC236}">
+                <a16:creationId xmlns:a16="http://schemas.microsoft.com/office/drawing/2014/main" id="{BEFF347E-F464-007C-3E72-129D5C1AD0F6}"/>
+              </a:ext>
+            </a:extLst>
+          </p:cNvPr>
+          <p:cNvSpPr>
+            <a:spLocks noGrp="1"/>
+          </p:cNvSpPr>
+          <p:nvPr>
+            <p:ph type="sldNum" sz="quarter" idx="12"/>
+          </p:nvPr>
+        </p:nvSpPr>
+        <p:spPr/>
+        <p:txBody>
+          <a:bodyPr/>
+          <a:lstStyle/>
+          <a:p>
+            <a:fld id="{D57F1E4F-1CFF-5643-939E-217C01CDF565}" type="slidenum">
+              <a:rPr lang="en-US" smtClean="0"/>
+              <a:pPr/>
+              <a:t>10</a:t>
+            </a:fld>
+            <a:endParaRPr lang="en-US" dirty="0"/>
+          </a:p>
+        </p:txBody>
+      </p:sp>
+      <p:pic>
+        <p:nvPicPr>
+          <p:cNvPr id="5122" name="Picture 2" descr="Toyota Way">
+            <a:extLst>
+              <a:ext uri="{FF2B5EF4-FFF2-40B4-BE49-F238E27FC236}">
+                <a16:creationId xmlns:a16="http://schemas.microsoft.com/office/drawing/2014/main" id="{9E9D655E-1152-5D9C-6A7A-F657D50B7266}"/>
+              </a:ext>
+            </a:extLst>
+          </p:cNvPr>
+          <p:cNvPicPr>
+            <a:picLocks noGrp="1" noChangeAspect="1" noChangeArrowheads="1"/>
+          </p:cNvPicPr>
+          <p:nvPr>
+            <p:ph idx="1"/>
+          </p:nvPr>
+        </p:nvPicPr>
+        <p:blipFill>
+          <a:blip r:embed="rId3">
+            <a:extLst>
+              <a:ext uri="{28A0092B-C50C-407E-A947-70E740481C1C}">
+                <a14:useLocalDpi xmlns:a14="http://schemas.microsoft.com/office/drawing/2010/main" val="0"/>
+              </a:ext>
+            </a:extLst>
+          </a:blip>
+          <a:srcRect/>
+          <a:stretch>
+            <a:fillRect/>
+          </a:stretch>
+        </p:blipFill>
+        <p:spPr bwMode="auto">
+          <a:xfrm>
+            <a:off x="1210208" y="1930400"/>
+            <a:ext cx="2612782" cy="3881437"/>
+          </a:xfrm>
+          <a:prstGeom prst="rect">
+            <a:avLst/>
+          </a:prstGeom>
+          <a:noFill/>
+          <a:extLst>
+            <a:ext uri="{909E8E84-426E-40DD-AFC4-6F175D3DCCD1}">
+              <a14:hiddenFill xmlns:a14="http://schemas.microsoft.com/office/drawing/2010/main">
+                <a:solidFill>
+                  <a:srgbClr val="FFFFFF"/>
+                </a:solidFill>
+              </a14:hiddenFill>
+            </a:ext>
+          </a:extLst>
+        </p:spPr>
+      </p:pic>
+      <p:pic>
+        <p:nvPicPr>
+          <p:cNvPr id="1026" name="Picture 2">
+            <a:extLst>
+              <a:ext uri="{FF2B5EF4-FFF2-40B4-BE49-F238E27FC236}">
+                <a16:creationId xmlns:a16="http://schemas.microsoft.com/office/drawing/2014/main" id="{E066D680-9B89-B92B-9677-8F1D238446B7}"/>
+              </a:ext>
+            </a:extLst>
+          </p:cNvPr>
+          <p:cNvPicPr>
+            <a:picLocks noChangeAspect="1" noChangeArrowheads="1"/>
+          </p:cNvPicPr>
+          <p:nvPr/>
+        </p:nvPicPr>
+        <p:blipFill>
+          <a:blip r:embed="rId4">
+            <a:extLst>
+              <a:ext uri="{28A0092B-C50C-407E-A947-70E740481C1C}">
+                <a14:useLocalDpi xmlns:a14="http://schemas.microsoft.com/office/drawing/2010/main" val="0"/>
+              </a:ext>
+            </a:extLst>
+          </a:blip>
+          <a:srcRect/>
+          <a:stretch>
+            <a:fillRect/>
+          </a:stretch>
+        </p:blipFill>
+        <p:spPr bwMode="auto">
+          <a:xfrm>
+            <a:off x="5782191" y="1671306"/>
+            <a:ext cx="3150141" cy="4735181"/>
+          </a:xfrm>
+          <a:prstGeom prst="rect">
+            <a:avLst/>
+          </a:prstGeom>
+          <a:noFill/>
+          <a:extLst>
+            <a:ext uri="{909E8E84-426E-40DD-AFC4-6F175D3DCCD1}">
+              <a14:hiddenFill xmlns:a14="http://schemas.microsoft.com/office/drawing/2010/main">
+                <a:solidFill>
+                  <a:srgbClr val="FFFFFF"/>
+                </a:solidFill>
+              </a14:hiddenFill>
+            </a:ext>
+          </a:extLst>
+        </p:spPr>
+      </p:pic>
+    </p:spTree>
+    <p:extLst>
+      <p:ext uri="{BB962C8B-B14F-4D97-AF65-F5344CB8AC3E}">
+        <p14:creationId xmlns:p14="http://schemas.microsoft.com/office/powerpoint/2010/main" val="3951249337"/>
+      </p:ext>
+    </p:extLst>
+  </p:cSld>
+  <p:clrMapOvr>
+    <a:masterClrMapping/>
+  </p:clrMapOvr>
+</p:sld>
+</file>
+
+<file path=ppt/slides/slide11.xml><?xml version="1.0" encoding="utf-8"?>
+<p:sld xmlns:a="http://schemas.openxmlformats.org/drawingml/2006/main" xmlns:r="http://schemas.openxmlformats.org/officeDocument/2006/relationships" xmlns:p="http://schemas.openxmlformats.org/presentationml/2006/main">
+  <p:cSld>
     <p:bg>
       <p:bgPr>
         <a:solidFill>
@@ -24440,7 +24878,7 @@
                   <a:spcPts val="600"/>
                 </a:spcAft>
               </a:pPr>
-              <a:t>10</a:t>
+              <a:t>11</a:t>
             </a:fld>
             <a:endParaRPr lang="en-US"/>
           </a:p>
@@ -24654,7 +25092,7 @@
 </p:sld>
 </file>
 
-<file path=ppt/slides/slide11.xml><?xml version="1.0" encoding="utf-8"?>
+<file path=ppt/slides/slide12.xml><?xml version="1.0" encoding="utf-8"?>
 <p:sld xmlns:a="http://schemas.openxmlformats.org/drawingml/2006/main" xmlns:r="http://schemas.openxmlformats.org/officeDocument/2006/relationships" xmlns:p="http://schemas.openxmlformats.org/presentationml/2006/main">
   <p:cSld>
     <p:spTree>
@@ -24747,7 +25185,7 @@
             <a:fld id="{D57F1E4F-1CFF-5643-939E-217C01CDF565}" type="slidenum">
               <a:rPr lang="en-US" smtClean="0"/>
               <a:pPr/>
-              <a:t>11</a:t>
+              <a:t>12</a:t>
             </a:fld>
             <a:endParaRPr lang="en-US" dirty="0"/>
           </a:p>
@@ -24766,7 +25204,7 @@
 </p:sld>
 </file>
 
-<file path=ppt/slides/slide12.xml><?xml version="1.0" encoding="utf-8"?>
+<file path=ppt/slides/slide13.xml><?xml version="1.0" encoding="utf-8"?>
 <p:sld xmlns:a="http://schemas.openxmlformats.org/drawingml/2006/main" xmlns:r="http://schemas.openxmlformats.org/officeDocument/2006/relationships" xmlns:p="http://schemas.openxmlformats.org/presentationml/2006/main">
   <p:cSld>
     <p:spTree>
@@ -25113,7 +25551,7 @@
             <a:fld id="{D57F1E4F-1CFF-5643-939E-217C01CDF565}" type="slidenum">
               <a:rPr lang="en-US" smtClean="0"/>
               <a:pPr/>
-              <a:t>12</a:t>
+              <a:t>13</a:t>
             </a:fld>
             <a:endParaRPr lang="en-US" dirty="0"/>
           </a:p>
@@ -25582,7 +26020,7 @@
 </p:sld>
 </file>
 
-<file path=ppt/slides/slide13.xml><?xml version="1.0" encoding="utf-8"?>
+<file path=ppt/slides/slide14.xml><?xml version="1.0" encoding="utf-8"?>
 <p:sld xmlns:a="http://schemas.openxmlformats.org/drawingml/2006/main" xmlns:r="http://schemas.openxmlformats.org/officeDocument/2006/relationships" xmlns:p="http://schemas.openxmlformats.org/presentationml/2006/main">
   <p:cSld>
     <p:spTree>
@@ -25739,7 +26177,7 @@
             <a:fld id="{D57F1E4F-1CFF-5643-939E-217C01CDF565}" type="slidenum">
               <a:rPr lang="en-US" smtClean="0"/>
               <a:pPr/>
-              <a:t>13</a:t>
+              <a:t>14</a:t>
             </a:fld>
             <a:endParaRPr lang="en-US" dirty="0"/>
           </a:p>
@@ -25758,7 +26196,7 @@
 </p:sld>
 </file>
 
-<file path=ppt/slides/slide14.xml><?xml version="1.0" encoding="utf-8"?>
+<file path=ppt/slides/slide15.xml><?xml version="1.0" encoding="utf-8"?>
 <p:sld xmlns:a="http://schemas.openxmlformats.org/drawingml/2006/main" xmlns:r="http://schemas.openxmlformats.org/officeDocument/2006/relationships" xmlns:p="http://schemas.openxmlformats.org/presentationml/2006/main">
   <p:cSld>
     <p:bg>
@@ -26673,7 +27111,7 @@
                   <a:spcPts val="600"/>
                 </a:spcAft>
               </a:pPr>
-              <a:t>14</a:t>
+              <a:t>15</a:t>
             </a:fld>
             <a:endParaRPr lang="en-US">
               <a:solidFill>
@@ -26699,14 +27137,14 @@
             <p:ph idx="1"/>
             <p:extLst>
               <p:ext uri="{D42A27DB-BD31-4B8C-83A1-F6EECF244321}">
-                <p14:modId xmlns:p14="http://schemas.microsoft.com/office/powerpoint/2010/main" val="3606334898"/>
+                <p14:modId xmlns:p14="http://schemas.microsoft.com/office/powerpoint/2010/main" val="2539597047"/>
               </p:ext>
             </p:extLst>
           </p:nvPr>
         </p:nvGraphicFramePr>
         <p:xfrm>
-          <a:off x="4376443" y="944564"/>
-          <a:ext cx="7168914" cy="4823190"/>
+          <a:off x="4042611" y="601579"/>
+          <a:ext cx="7465870" cy="5898189"/>
         </p:xfrm>
         <a:graphic>
           <a:graphicData uri="http://schemas.openxmlformats.org/drawingml/2006/diagram">
@@ -26727,7 +27165,7 @@
 </p:sld>
 </file>
 
-<file path=ppt/slides/slide15.xml><?xml version="1.0" encoding="utf-8"?>
+<file path=ppt/slides/slide16.xml><?xml version="1.0" encoding="utf-8"?>
 <p:sld xmlns:a="http://schemas.openxmlformats.org/drawingml/2006/main" xmlns:r="http://schemas.openxmlformats.org/officeDocument/2006/relationships" xmlns:p="http://schemas.openxmlformats.org/presentationml/2006/main">
   <p:cSld>
     <p:spTree>
@@ -26814,7 +27252,7 @@
             <a:fld id="{D57F1E4F-1CFF-5643-939E-217C01CDF565}" type="slidenum">
               <a:rPr lang="en-US" smtClean="0"/>
               <a:pPr/>
-              <a:t>15</a:t>
+              <a:t>16</a:t>
             </a:fld>
             <a:endParaRPr lang="en-US" dirty="0"/>
           </a:p>
@@ -26857,7 +27295,15 @@
           <a:p>
             <a:r>
               <a:rPr lang="en-GB" dirty="0"/>
-              <a:t>Students able to apply professional software engineering techniques early on in the course</a:t>
+              <a:t>In opposition than old modules structure</a:t>
+            </a:r>
+            <a:r>
+              <a:rPr lang="en-GB"/>
+              <a:t>, students are </a:t>
+            </a:r>
+            <a:r>
+              <a:rPr lang="en-GB" dirty="0"/>
+              <a:t>able to apply professional software engineering techniques early on in the course</a:t>
             </a:r>
           </a:p>
           <a:p>
@@ -26911,7 +27357,7 @@
 </p:sld>
 </file>
 
-<file path=ppt/slides/slide16.xml><?xml version="1.0" encoding="utf-8"?>
+<file path=ppt/slides/slide17.xml><?xml version="1.0" encoding="utf-8"?>
 <p:sld xmlns:a="http://schemas.openxmlformats.org/drawingml/2006/main" xmlns:r="http://schemas.openxmlformats.org/officeDocument/2006/relationships" xmlns:p="http://schemas.openxmlformats.org/presentationml/2006/main">
   <p:cSld>
     <p:spTree>
@@ -26958,7 +27404,7 @@
             <a:fld id="{D57F1E4F-1CFF-5643-939E-217C01CDF565}" type="slidenum">
               <a:rPr lang="en-US" smtClean="0"/>
               <a:pPr/>
-              <a:t>16</a:t>
+              <a:t>17</a:t>
             </a:fld>
             <a:endParaRPr lang="en-US" dirty="0"/>
           </a:p>
@@ -27056,7 +27502,7 @@
 </p:sld>
 </file>
 
-<file path=ppt/slides/slide17.xml><?xml version="1.0" encoding="utf-8"?>
+<file path=ppt/slides/slide18.xml><?xml version="1.0" encoding="utf-8"?>
 <p:sld xmlns:a="http://schemas.openxmlformats.org/drawingml/2006/main" xmlns:r="http://schemas.openxmlformats.org/officeDocument/2006/relationships" xmlns:p="http://schemas.openxmlformats.org/presentationml/2006/main">
   <p:cSld>
     <p:spTree>
@@ -27143,7 +27589,7 @@
             <a:fld id="{D57F1E4F-1CFF-5643-939E-217C01CDF565}" type="slidenum">
               <a:rPr lang="en-US" smtClean="0"/>
               <a:pPr/>
-              <a:t>17</a:t>
+              <a:t>18</a:t>
             </a:fld>
             <a:endParaRPr lang="en-US" dirty="0"/>
           </a:p>
@@ -28058,7 +28504,7 @@
 </p:sld>
 </file>
 
-<file path=ppt/slides/slide18.xml><?xml version="1.0" encoding="utf-8"?>
+<file path=ppt/slides/slide19.xml><?xml version="1.0" encoding="utf-8"?>
 <p:sld xmlns:a="http://schemas.openxmlformats.org/drawingml/2006/main" xmlns:r="http://schemas.openxmlformats.org/officeDocument/2006/relationships" xmlns:p="http://schemas.openxmlformats.org/presentationml/2006/main">
   <p:cSld>
     <p:spTree>
@@ -28145,7 +28591,7 @@
             <a:fld id="{D57F1E4F-1CFF-5643-939E-217C01CDF565}" type="slidenum">
               <a:rPr lang="en-US" smtClean="0"/>
               <a:pPr/>
-              <a:t>18</a:t>
+              <a:t>19</a:t>
             </a:fld>
             <a:endParaRPr lang="en-US" dirty="0"/>
           </a:p>
@@ -29886,6 +30332,9 @@
             </a:r>
           </a:p>
           <a:p>
+            <a:endParaRPr lang="en-GB" sz="2400" dirty="0"/>
+          </a:p>
+          <a:p>
             <a:r>
               <a:rPr lang="en-GB" sz="2400" dirty="0"/>
               <a:t>Traditionally, </a:t>
@@ -29894,12 +30343,6 @@
               <a:rPr sz="2400" dirty="0"/>
               <a:t>CS curricula delay these skills.</a:t>
             </a:r>
-            <a:endParaRPr lang="en-GB" sz="2400" dirty="0"/>
-          </a:p>
-          <a:p>
-            <a:pPr marL="0" indent="0">
-              <a:buNone/>
-            </a:pPr>
             <a:endParaRPr lang="en-GB" sz="2400" dirty="0"/>
           </a:p>
           <a:p>
@@ -29949,52 +30392,6 @@
               <a:t>5</a:t>
             </a:fld>
             <a:endParaRPr lang="en-US" dirty="0"/>
-          </a:p>
-        </p:txBody>
-      </p:sp>
-      <p:sp>
-        <p:nvSpPr>
-          <p:cNvPr id="4" name="Down Arrow 3">
-            <a:extLst>
-              <a:ext uri="{FF2B5EF4-FFF2-40B4-BE49-F238E27FC236}">
-                <a16:creationId xmlns:a16="http://schemas.microsoft.com/office/drawing/2014/main" id="{BF75CD26-4816-9046-F7FC-F77051C55C50}"/>
-              </a:ext>
-            </a:extLst>
-          </p:cNvPr>
-          <p:cNvSpPr/>
-          <p:nvPr/>
-        </p:nvSpPr>
-        <p:spPr>
-          <a:xfrm>
-            <a:off x="4055165" y="3817709"/>
-            <a:ext cx="586409" cy="566531"/>
-          </a:xfrm>
-          <a:prstGeom prst="downArrow">
-            <a:avLst/>
-          </a:prstGeom>
-        </p:spPr>
-        <p:style>
-          <a:lnRef idx="2">
-            <a:schemeClr val="accent1">
-              <a:shade val="15000"/>
-            </a:schemeClr>
-          </a:lnRef>
-          <a:fillRef idx="1">
-            <a:schemeClr val="accent1"/>
-          </a:fillRef>
-          <a:effectRef idx="0">
-            <a:schemeClr val="accent1"/>
-          </a:effectRef>
-          <a:fontRef idx="minor">
-            <a:schemeClr val="lt1"/>
-          </a:fontRef>
-        </p:style>
-        <p:txBody>
-          <a:bodyPr rtlCol="0" anchor="ctr"/>
-          <a:lstStyle/>
-          <a:p>
-            <a:pPr algn="ctr"/>
-            <a:endParaRPr lang="en-US"/>
           </a:p>
         </p:txBody>
       </p:sp>
@@ -31409,10 +31806,326 @@
       </p:sp>
       <p:sp>
         <p:nvSpPr>
+          <p:cNvPr id="4" name="TextBox 3">
+            <a:extLst>
+              <a:ext uri="{FF2B5EF4-FFF2-40B4-BE49-F238E27FC236}">
+                <a16:creationId xmlns:a16="http://schemas.microsoft.com/office/drawing/2014/main" id="{180E71B6-D89A-D77D-BC94-9629B077B5DB}"/>
+              </a:ext>
+            </a:extLst>
+          </p:cNvPr>
+          <p:cNvSpPr txBox="1"/>
+          <p:nvPr/>
+        </p:nvSpPr>
+        <p:spPr>
+          <a:xfrm>
+            <a:off x="232276" y="1981982"/>
+            <a:ext cx="890115" cy="369332"/>
+          </a:xfrm>
+          <a:prstGeom prst="rect">
+            <a:avLst/>
+          </a:prstGeom>
+          <a:noFill/>
+        </p:spPr>
+        <p:txBody>
+          <a:bodyPr wrap="none" rtlCol="0">
+            <a:spAutoFit/>
+          </a:bodyPr>
+          <a:lstStyle/>
+          <a:p>
+            <a:r>
+              <a:rPr lang="en-US" dirty="0"/>
+              <a:t>Term 1</a:t>
+            </a:r>
+          </a:p>
+        </p:txBody>
+      </p:sp>
+      <p:sp>
+        <p:nvSpPr>
+          <p:cNvPr id="6" name="TextBox 5">
+            <a:extLst>
+              <a:ext uri="{FF2B5EF4-FFF2-40B4-BE49-F238E27FC236}">
+                <a16:creationId xmlns:a16="http://schemas.microsoft.com/office/drawing/2014/main" id="{F15A54FA-F13D-2BBD-1CAB-A80AA3778B98}"/>
+              </a:ext>
+            </a:extLst>
+          </p:cNvPr>
+          <p:cNvSpPr txBox="1"/>
+          <p:nvPr/>
+        </p:nvSpPr>
+        <p:spPr>
+          <a:xfrm>
+            <a:off x="259416" y="4322021"/>
+            <a:ext cx="890115" cy="369332"/>
+          </a:xfrm>
+          <a:prstGeom prst="rect">
+            <a:avLst/>
+          </a:prstGeom>
+          <a:noFill/>
+        </p:spPr>
+        <p:txBody>
+          <a:bodyPr wrap="none" rtlCol="0">
+            <a:spAutoFit/>
+          </a:bodyPr>
+          <a:lstStyle/>
+          <a:p>
+            <a:r>
+              <a:rPr lang="en-US" dirty="0"/>
+              <a:t>Term 2</a:t>
+            </a:r>
+          </a:p>
+        </p:txBody>
+      </p:sp>
+    </p:spTree>
+    <p:extLst>
+      <p:ext uri="{BB962C8B-B14F-4D97-AF65-F5344CB8AC3E}">
+        <p14:creationId xmlns:p14="http://schemas.microsoft.com/office/powerpoint/2010/main" val="2016925971"/>
+      </p:ext>
+    </p:extLst>
+  </p:cSld>
+  <p:clrMapOvr>
+    <a:masterClrMapping/>
+  </p:clrMapOvr>
+</p:sld>
+</file>
+
+<file path=ppt/slides/slide8.xml><?xml version="1.0" encoding="utf-8"?>
+<p:sld xmlns:a="http://schemas.openxmlformats.org/drawingml/2006/main" xmlns:r="http://schemas.openxmlformats.org/officeDocument/2006/relationships" xmlns:p="http://schemas.openxmlformats.org/presentationml/2006/main">
+  <p:cSld>
+    <p:spTree>
+      <p:nvGrpSpPr>
+        <p:cNvPr id="1" name="">
+          <a:extLst>
+            <a:ext uri="{FF2B5EF4-FFF2-40B4-BE49-F238E27FC236}">
+              <a16:creationId xmlns:a16="http://schemas.microsoft.com/office/drawing/2014/main" id="{8C7D133F-3900-394E-B628-C186AB51D354}"/>
+            </a:ext>
+          </a:extLst>
+        </p:cNvPr>
+        <p:cNvGrpSpPr/>
+        <p:nvPr/>
+      </p:nvGrpSpPr>
+      <p:grpSpPr>
+        <a:xfrm>
+          <a:off x="0" y="0"/>
+          <a:ext cx="0" cy="0"/>
+          <a:chOff x="0" y="0"/>
+          <a:chExt cx="0" cy="0"/>
+        </a:xfrm>
+      </p:grpSpPr>
+      <p:sp>
+        <p:nvSpPr>
+          <p:cNvPr id="2" name="Title 1">
+            <a:extLst>
+              <a:ext uri="{FF2B5EF4-FFF2-40B4-BE49-F238E27FC236}">
+                <a16:creationId xmlns:a16="http://schemas.microsoft.com/office/drawing/2014/main" id="{010B2765-FA1A-BD61-F55E-B0431B4D68F7}"/>
+              </a:ext>
+            </a:extLst>
+          </p:cNvPr>
+          <p:cNvSpPr>
+            <a:spLocks noGrp="1"/>
+          </p:cNvSpPr>
+          <p:nvPr>
+            <p:ph type="title"/>
+          </p:nvPr>
+        </p:nvSpPr>
+        <p:spPr/>
+        <p:txBody>
+          <a:bodyPr/>
+          <a:lstStyle/>
+          <a:p>
+            <a:r>
+              <a:rPr dirty="0"/>
+              <a:t>Previous Module Design</a:t>
+            </a:r>
+          </a:p>
+        </p:txBody>
+      </p:sp>
+      <p:sp>
+        <p:nvSpPr>
+          <p:cNvPr id="5" name="Slide Number Placeholder 4">
+            <a:extLst>
+              <a:ext uri="{FF2B5EF4-FFF2-40B4-BE49-F238E27FC236}">
+                <a16:creationId xmlns:a16="http://schemas.microsoft.com/office/drawing/2014/main" id="{1169E62A-C526-53CD-B8D2-DDE2A59545C5}"/>
+              </a:ext>
+            </a:extLst>
+          </p:cNvPr>
+          <p:cNvSpPr>
+            <a:spLocks noGrp="1"/>
+          </p:cNvSpPr>
+          <p:nvPr>
+            <p:ph type="sldNum" sz="quarter" idx="12"/>
+          </p:nvPr>
+        </p:nvSpPr>
+        <p:spPr/>
+        <p:txBody>
+          <a:bodyPr/>
+          <a:lstStyle/>
+          <a:p>
+            <a:fld id="{D57F1E4F-1CFF-5643-939E-217C01CDF565}" type="slidenum">
+              <a:rPr lang="en-US" smtClean="0"/>
+              <a:pPr/>
+              <a:t>8</a:t>
+            </a:fld>
+            <a:endParaRPr lang="en-US" dirty="0"/>
+          </a:p>
+        </p:txBody>
+      </p:sp>
+      <p:sp>
+        <p:nvSpPr>
+          <p:cNvPr id="8" name="Rectangle 7">
+            <a:extLst>
+              <a:ext uri="{FF2B5EF4-FFF2-40B4-BE49-F238E27FC236}">
+                <a16:creationId xmlns:a16="http://schemas.microsoft.com/office/drawing/2014/main" id="{0DC6D4F7-3B2B-2B4E-D0EF-3E213F9F5226}"/>
+              </a:ext>
+            </a:extLst>
+          </p:cNvPr>
+          <p:cNvSpPr/>
+          <p:nvPr/>
+        </p:nvSpPr>
+        <p:spPr>
+          <a:xfrm>
+            <a:off x="1149531" y="1658983"/>
+            <a:ext cx="1768467" cy="1384663"/>
+          </a:xfrm>
+          <a:prstGeom prst="rect">
+            <a:avLst/>
+          </a:prstGeom>
+        </p:spPr>
+        <p:style>
+          <a:lnRef idx="2">
+            <a:schemeClr val="accent1">
+              <a:shade val="15000"/>
+            </a:schemeClr>
+          </a:lnRef>
+          <a:fillRef idx="1">
+            <a:schemeClr val="accent1"/>
+          </a:fillRef>
+          <a:effectRef idx="0">
+            <a:schemeClr val="accent1"/>
+          </a:effectRef>
+          <a:fontRef idx="minor">
+            <a:schemeClr val="lt1"/>
+          </a:fontRef>
+        </p:style>
+        <p:txBody>
+          <a:bodyPr rtlCol="0" anchor="ctr"/>
+          <a:lstStyle/>
+          <a:p>
+            <a:pPr algn="ctr"/>
+            <a:r>
+              <a:rPr lang="en-US" dirty="0"/>
+              <a:t>Programming module </a:t>
+            </a:r>
+          </a:p>
+          <a:p>
+            <a:pPr algn="ctr"/>
+            <a:endParaRPr lang="en-US" dirty="0"/>
+          </a:p>
+        </p:txBody>
+      </p:sp>
+      <p:sp>
+        <p:nvSpPr>
+          <p:cNvPr id="9" name="Rectangle 8">
+            <a:extLst>
+              <a:ext uri="{FF2B5EF4-FFF2-40B4-BE49-F238E27FC236}">
+                <a16:creationId xmlns:a16="http://schemas.microsoft.com/office/drawing/2014/main" id="{C33D6512-445D-E556-BA18-B736A67D65AC}"/>
+              </a:ext>
+            </a:extLst>
+          </p:cNvPr>
+          <p:cNvSpPr/>
+          <p:nvPr/>
+        </p:nvSpPr>
+        <p:spPr>
+          <a:xfrm>
+            <a:off x="1149531" y="3966755"/>
+            <a:ext cx="1768467" cy="1384663"/>
+          </a:xfrm>
+          <a:prstGeom prst="rect">
+            <a:avLst/>
+          </a:prstGeom>
+        </p:spPr>
+        <p:style>
+          <a:lnRef idx="2">
+            <a:schemeClr val="accent1">
+              <a:shade val="15000"/>
+            </a:schemeClr>
+          </a:lnRef>
+          <a:fillRef idx="1">
+            <a:schemeClr val="accent1"/>
+          </a:fillRef>
+          <a:effectRef idx="0">
+            <a:schemeClr val="accent1"/>
+          </a:effectRef>
+          <a:fontRef idx="minor">
+            <a:schemeClr val="lt1"/>
+          </a:fontRef>
+        </p:style>
+        <p:txBody>
+          <a:bodyPr rtlCol="0" anchor="ctr"/>
+          <a:lstStyle/>
+          <a:p>
+            <a:pPr algn="ctr"/>
+            <a:r>
+              <a:rPr lang="en-US" dirty="0"/>
+              <a:t>Free form Team Projects</a:t>
+            </a:r>
+          </a:p>
+          <a:p>
+            <a:pPr algn="ctr"/>
+            <a:endParaRPr lang="en-US" dirty="0"/>
+          </a:p>
+        </p:txBody>
+      </p:sp>
+      <p:sp>
+        <p:nvSpPr>
+          <p:cNvPr id="10" name="Down Arrow 9">
+            <a:extLst>
+              <a:ext uri="{FF2B5EF4-FFF2-40B4-BE49-F238E27FC236}">
+                <a16:creationId xmlns:a16="http://schemas.microsoft.com/office/drawing/2014/main" id="{19CAD981-FF68-55BC-63B6-FC06C9C1C410}"/>
+              </a:ext>
+            </a:extLst>
+          </p:cNvPr>
+          <p:cNvSpPr/>
+          <p:nvPr/>
+        </p:nvSpPr>
+        <p:spPr>
+          <a:xfrm>
+            <a:off x="1828800" y="3135086"/>
+            <a:ext cx="204964" cy="601480"/>
+          </a:xfrm>
+          <a:prstGeom prst="downArrow">
+            <a:avLst/>
+          </a:prstGeom>
+        </p:spPr>
+        <p:style>
+          <a:lnRef idx="2">
+            <a:schemeClr val="accent1">
+              <a:shade val="15000"/>
+            </a:schemeClr>
+          </a:lnRef>
+          <a:fillRef idx="1">
+            <a:schemeClr val="accent1"/>
+          </a:fillRef>
+          <a:effectRef idx="0">
+            <a:schemeClr val="accent1"/>
+          </a:effectRef>
+          <a:fontRef idx="minor">
+            <a:schemeClr val="lt1"/>
+          </a:fontRef>
+        </p:style>
+        <p:txBody>
+          <a:bodyPr rtlCol="0" anchor="ctr"/>
+          <a:lstStyle/>
+          <a:p>
+            <a:pPr algn="ctr"/>
+            <a:endParaRPr lang="en-US"/>
+          </a:p>
+        </p:txBody>
+      </p:sp>
+      <p:sp>
+        <p:nvSpPr>
           <p:cNvPr id="3" name="Content Placeholder 2">
             <a:extLst>
               <a:ext uri="{FF2B5EF4-FFF2-40B4-BE49-F238E27FC236}">
-                <a16:creationId xmlns:a16="http://schemas.microsoft.com/office/drawing/2014/main" id="{1AA67F67-1FDA-25DC-107A-697BDD57684C}"/>
+                <a16:creationId xmlns:a16="http://schemas.microsoft.com/office/drawing/2014/main" id="{7244625B-307A-49FC-2F2E-661D2EC21972}"/>
               </a:ext>
             </a:extLst>
           </p:cNvPr>
@@ -31718,7 +32431,7 @@
           <p:cNvPr id="4" name="TextBox 3">
             <a:extLst>
               <a:ext uri="{FF2B5EF4-FFF2-40B4-BE49-F238E27FC236}">
-                <a16:creationId xmlns:a16="http://schemas.microsoft.com/office/drawing/2014/main" id="{180E71B6-D89A-D77D-BC94-9629B077B5DB}"/>
+                <a16:creationId xmlns:a16="http://schemas.microsoft.com/office/drawing/2014/main" id="{FDAA68E3-9FEE-DD9D-8946-FE293519BF77}"/>
               </a:ext>
             </a:extLst>
           </p:cNvPr>
@@ -31753,7 +32466,7 @@
           <p:cNvPr id="6" name="TextBox 5">
             <a:extLst>
               <a:ext uri="{FF2B5EF4-FFF2-40B4-BE49-F238E27FC236}">
-                <a16:creationId xmlns:a16="http://schemas.microsoft.com/office/drawing/2014/main" id="{F15A54FA-F13D-2BBD-1CAB-A80AA3778B98}"/>
+                <a16:creationId xmlns:a16="http://schemas.microsoft.com/office/drawing/2014/main" id="{97E4A1A7-40B3-19FC-E4B1-C6A7194F1E06}"/>
               </a:ext>
             </a:extLst>
           </p:cNvPr>
@@ -31786,7 +32499,7 @@
     </p:spTree>
     <p:extLst>
       <p:ext uri="{BB962C8B-B14F-4D97-AF65-F5344CB8AC3E}">
-        <p14:creationId xmlns:p14="http://schemas.microsoft.com/office/powerpoint/2010/main" val="2016925971"/>
+        <p14:creationId xmlns:p14="http://schemas.microsoft.com/office/powerpoint/2010/main" val="1507612990"/>
       </p:ext>
     </p:extLst>
   </p:cSld>
@@ -31796,7 +32509,7 @@
 </p:sld>
 </file>
 
-<file path=ppt/slides/slide8.xml><?xml version="1.0" encoding="utf-8"?>
+<file path=ppt/slides/slide9.xml><?xml version="1.0" encoding="utf-8"?>
 <p:sld xmlns:a="http://schemas.openxmlformats.org/drawingml/2006/main" xmlns:r="http://schemas.openxmlformats.org/officeDocument/2006/relationships" xmlns:p="http://schemas.openxmlformats.org/presentationml/2006/main">
   <p:cSld>
     <p:spTree>
@@ -31871,7 +32584,7 @@
             <a:fld id="{D57F1E4F-1CFF-5643-939E-217C01CDF565}" type="slidenum">
               <a:rPr lang="en-US" smtClean="0"/>
               <a:pPr/>
-              <a:t>8</a:t>
+              <a:t>9</a:t>
             </a:fld>
             <a:endParaRPr lang="en-US" dirty="0"/>
           </a:p>
@@ -32332,190 +33045,6 @@
     <p:extLst>
       <p:ext uri="{BB962C8B-B14F-4D97-AF65-F5344CB8AC3E}">
         <p14:creationId xmlns:p14="http://schemas.microsoft.com/office/powerpoint/2010/main" val="3812444522"/>
-      </p:ext>
-    </p:extLst>
-  </p:cSld>
-  <p:clrMapOvr>
-    <a:masterClrMapping/>
-  </p:clrMapOvr>
-</p:sld>
-</file>
-
-<file path=ppt/slides/slide9.xml><?xml version="1.0" encoding="utf-8"?>
-<p:sld xmlns:a="http://schemas.openxmlformats.org/drawingml/2006/main" xmlns:r="http://schemas.openxmlformats.org/officeDocument/2006/relationships" xmlns:p="http://schemas.openxmlformats.org/presentationml/2006/main">
-  <p:cSld>
-    <p:spTree>
-      <p:nvGrpSpPr>
-        <p:cNvPr id="1" name=""/>
-        <p:cNvGrpSpPr/>
-        <p:nvPr/>
-      </p:nvGrpSpPr>
-      <p:grpSpPr>
-        <a:xfrm>
-          <a:off x="0" y="0"/>
-          <a:ext cx="0" cy="0"/>
-          <a:chOff x="0" y="0"/>
-          <a:chExt cx="0" cy="0"/>
-        </a:xfrm>
-      </p:grpSpPr>
-      <p:sp>
-        <p:nvSpPr>
-          <p:cNvPr id="2" name="Title 1">
-            <a:extLst>
-              <a:ext uri="{FF2B5EF4-FFF2-40B4-BE49-F238E27FC236}">
-                <a16:creationId xmlns:a16="http://schemas.microsoft.com/office/drawing/2014/main" id="{7DD33E54-30C2-CBBA-4904-8A298DCC18C2}"/>
-              </a:ext>
-            </a:extLst>
-          </p:cNvPr>
-          <p:cNvSpPr>
-            <a:spLocks noGrp="1"/>
-          </p:cNvSpPr>
-          <p:nvPr>
-            <p:ph type="title"/>
-          </p:nvPr>
-        </p:nvSpPr>
-        <p:spPr/>
-        <p:txBody>
-          <a:bodyPr/>
-          <a:lstStyle/>
-          <a:p>
-            <a:r>
-              <a:rPr lang="en-US" dirty="0"/>
-              <a:t>LEAN METHODOLOGY / APPROACH.</a:t>
-            </a:r>
-          </a:p>
-        </p:txBody>
-      </p:sp>
-      <p:sp>
-        <p:nvSpPr>
-          <p:cNvPr id="4" name="Slide Number Placeholder 3">
-            <a:extLst>
-              <a:ext uri="{FF2B5EF4-FFF2-40B4-BE49-F238E27FC236}">
-                <a16:creationId xmlns:a16="http://schemas.microsoft.com/office/drawing/2014/main" id="{BEFF347E-F464-007C-3E72-129D5C1AD0F6}"/>
-              </a:ext>
-            </a:extLst>
-          </p:cNvPr>
-          <p:cNvSpPr>
-            <a:spLocks noGrp="1"/>
-          </p:cNvSpPr>
-          <p:nvPr>
-            <p:ph type="sldNum" sz="quarter" idx="12"/>
-          </p:nvPr>
-        </p:nvSpPr>
-        <p:spPr/>
-        <p:txBody>
-          <a:bodyPr/>
-          <a:lstStyle/>
-          <a:p>
-            <a:fld id="{D57F1E4F-1CFF-5643-939E-217C01CDF565}" type="slidenum">
-              <a:rPr lang="en-US" smtClean="0"/>
-              <a:pPr/>
-              <a:t>9</a:t>
-            </a:fld>
-            <a:endParaRPr lang="en-US" dirty="0"/>
-          </a:p>
-        </p:txBody>
-      </p:sp>
-      <p:pic>
-        <p:nvPicPr>
-          <p:cNvPr id="5122" name="Picture 2" descr="Toyota Way">
-            <a:extLst>
-              <a:ext uri="{FF2B5EF4-FFF2-40B4-BE49-F238E27FC236}">
-                <a16:creationId xmlns:a16="http://schemas.microsoft.com/office/drawing/2014/main" id="{9E9D655E-1152-5D9C-6A7A-F657D50B7266}"/>
-              </a:ext>
-            </a:extLst>
-          </p:cNvPr>
-          <p:cNvPicPr>
-            <a:picLocks noGrp="1" noChangeAspect="1" noChangeArrowheads="1"/>
-          </p:cNvPicPr>
-          <p:nvPr>
-            <p:ph idx="1"/>
-          </p:nvPr>
-        </p:nvPicPr>
-        <p:blipFill>
-          <a:blip r:embed="rId3">
-            <a:extLst>
-              <a:ext uri="{28A0092B-C50C-407E-A947-70E740481C1C}">
-                <a14:useLocalDpi xmlns:a14="http://schemas.microsoft.com/office/drawing/2010/main" val="0"/>
-              </a:ext>
-            </a:extLst>
-          </a:blip>
-          <a:srcRect/>
-          <a:stretch>
-            <a:fillRect/>
-          </a:stretch>
-        </p:blipFill>
-        <p:spPr bwMode="auto">
-          <a:xfrm>
-            <a:off x="1210208" y="1930400"/>
-            <a:ext cx="2612782" cy="3881437"/>
-          </a:xfrm>
-          <a:prstGeom prst="rect">
-            <a:avLst/>
-          </a:prstGeom>
-          <a:noFill/>
-          <a:extLst>
-            <a:ext uri="{909E8E84-426E-40DD-AFC4-6F175D3DCCD1}">
-              <a14:hiddenFill xmlns:a14="http://schemas.microsoft.com/office/drawing/2010/main">
-                <a:solidFill>
-                  <a:srgbClr val="FFFFFF"/>
-                </a:solidFill>
-              </a14:hiddenFill>
-            </a:ext>
-          </a:extLst>
-        </p:spPr>
-      </p:pic>
-      <p:pic>
-        <p:nvPicPr>
-          <p:cNvPr id="1026" name="Picture 2">
-            <a:extLst>
-              <a:ext uri="{FF2B5EF4-FFF2-40B4-BE49-F238E27FC236}">
-                <a16:creationId xmlns:a16="http://schemas.microsoft.com/office/drawing/2014/main" id="{E066D680-9B89-B92B-9677-8F1D238446B7}"/>
-              </a:ext>
-            </a:extLst>
-          </p:cNvPr>
-          <p:cNvPicPr>
-            <a:picLocks noChangeAspect="1" noChangeArrowheads="1"/>
-          </p:cNvPicPr>
-          <p:nvPr/>
-        </p:nvPicPr>
-        <p:blipFill>
-          <a:blip r:embed="rId4">
-            <a:extLst>
-              <a:ext uri="{28A0092B-C50C-407E-A947-70E740481C1C}">
-                <a14:useLocalDpi xmlns:a14="http://schemas.microsoft.com/office/drawing/2010/main" val="0"/>
-              </a:ext>
-            </a:extLst>
-          </a:blip>
-          <a:srcRect/>
-          <a:stretch>
-            <a:fillRect/>
-          </a:stretch>
-        </p:blipFill>
-        <p:spPr bwMode="auto">
-          <a:xfrm>
-            <a:off x="5782191" y="1671306"/>
-            <a:ext cx="3150141" cy="4735181"/>
-          </a:xfrm>
-          <a:prstGeom prst="rect">
-            <a:avLst/>
-          </a:prstGeom>
-          <a:noFill/>
-          <a:extLst>
-            <a:ext uri="{909E8E84-426E-40DD-AFC4-6F175D3DCCD1}">
-              <a14:hiddenFill xmlns:a14="http://schemas.microsoft.com/office/drawing/2010/main">
-                <a:solidFill>
-                  <a:srgbClr val="FFFFFF"/>
-                </a:solidFill>
-              </a14:hiddenFill>
-            </a:ext>
-          </a:extLst>
-        </p:spPr>
-      </p:pic>
-    </p:spTree>
-    <p:extLst>
-      <p:ext uri="{BB962C8B-B14F-4D97-AF65-F5344CB8AC3E}">
-        <p14:creationId xmlns:p14="http://schemas.microsoft.com/office/powerpoint/2010/main" val="3951249337"/>
       </p:ext>
     </p:extLst>
   </p:cSld>
